--- a/May3_1700_Github/Github_presentation.pptx
+++ b/May3_1700_Github/Github_presentation.pptx
@@ -320,7 +320,7 @@
             <a:fld id="{B61BEF0D-F0BB-DE4B-95CE-6DB70DBA9567}" type="datetimeFigureOut">
               <a:rPr lang="en-US" dirty="0"/>
               <a:pPr/>
-              <a:t>4/30/17</a:t>
+              <a:t>5/2/17</a:t>
             </a:fld>
             <a:endParaRPr lang="en-US" dirty="0"/>
           </a:p>
@@ -655,7 +655,7 @@
             <a:fld id="{B61BEF0D-F0BB-DE4B-95CE-6DB70DBA9567}" type="datetimeFigureOut">
               <a:rPr lang="en-US" dirty="0"/>
               <a:pPr/>
-              <a:t>4/30/17</a:t>
+              <a:t>5/2/17</a:t>
             </a:fld>
             <a:endParaRPr lang="en-US" dirty="0"/>
           </a:p>
@@ -1053,7 +1053,7 @@
             <a:fld id="{B61BEF0D-F0BB-DE4B-95CE-6DB70DBA9567}" type="datetimeFigureOut">
               <a:rPr lang="en-US" dirty="0"/>
               <a:pPr/>
-              <a:t>4/30/17</a:t>
+              <a:t>5/2/17</a:t>
             </a:fld>
             <a:endParaRPr lang="en-US" dirty="0"/>
           </a:p>
@@ -1386,7 +1386,7 @@
             <a:fld id="{B61BEF0D-F0BB-DE4B-95CE-6DB70DBA9567}" type="datetimeFigureOut">
               <a:rPr lang="en-US" dirty="0"/>
               <a:pPr/>
-              <a:t>4/30/17</a:t>
+              <a:t>5/2/17</a:t>
             </a:fld>
             <a:endParaRPr lang="en-US" dirty="0"/>
           </a:p>
@@ -1703,7 +1703,7 @@
             <a:fld id="{B61BEF0D-F0BB-DE4B-95CE-6DB70DBA9567}" type="datetimeFigureOut">
               <a:rPr lang="en-US" dirty="0"/>
               <a:pPr/>
-              <a:t>4/30/17</a:t>
+              <a:t>5/2/17</a:t>
             </a:fld>
             <a:endParaRPr lang="en-US" dirty="0"/>
           </a:p>
@@ -2096,7 +2096,7 @@
             <a:fld id="{B61BEF0D-F0BB-DE4B-95CE-6DB70DBA9567}" type="datetimeFigureOut">
               <a:rPr lang="en-US" dirty="0"/>
               <a:pPr/>
-              <a:t>4/30/17</a:t>
+              <a:t>5/2/17</a:t>
             </a:fld>
             <a:endParaRPr lang="en-US" dirty="0"/>
           </a:p>
@@ -2350,7 +2350,7 @@
             <a:fld id="{B61BEF0D-F0BB-DE4B-95CE-6DB70DBA9567}" type="datetimeFigureOut">
               <a:rPr lang="en-US" dirty="0"/>
               <a:pPr/>
-              <a:t>4/30/17</a:t>
+              <a:t>5/2/17</a:t>
             </a:fld>
             <a:endParaRPr lang="en-US" dirty="0"/>
           </a:p>
@@ -2609,7 +2609,7 @@
             <a:fld id="{B61BEF0D-F0BB-DE4B-95CE-6DB70DBA9567}" type="datetimeFigureOut">
               <a:rPr lang="en-US" dirty="0"/>
               <a:pPr/>
-              <a:t>4/30/17</a:t>
+              <a:t>5/2/17</a:t>
             </a:fld>
             <a:endParaRPr lang="en-US" dirty="0"/>
           </a:p>
@@ -2868,7 +2868,7 @@
             <a:fld id="{B61BEF0D-F0BB-DE4B-95CE-6DB70DBA9567}" type="datetimeFigureOut">
               <a:rPr lang="en-US" dirty="0"/>
               <a:pPr/>
-              <a:t>4/30/17</a:t>
+              <a:t>5/2/17</a:t>
             </a:fld>
             <a:endParaRPr lang="en-US" dirty="0"/>
           </a:p>
@@ -3194,7 +3194,7 @@
             <a:fld id="{B61BEF0D-F0BB-DE4B-95CE-6DB70DBA9567}" type="datetimeFigureOut">
               <a:rPr lang="en-US" dirty="0"/>
               <a:pPr/>
-              <a:t>4/30/17</a:t>
+              <a:t>5/2/17</a:t>
             </a:fld>
             <a:endParaRPr lang="en-US" dirty="0"/>
           </a:p>
@@ -3514,7 +3514,7 @@
             <a:fld id="{B61BEF0D-F0BB-DE4B-95CE-6DB70DBA9567}" type="datetimeFigureOut">
               <a:rPr lang="en-US" dirty="0"/>
               <a:pPr/>
-              <a:t>4/30/17</a:t>
+              <a:t>5/2/17</a:t>
             </a:fld>
             <a:endParaRPr lang="en-US" dirty="0"/>
           </a:p>
@@ -3968,7 +3968,7 @@
             <a:fld id="{B61BEF0D-F0BB-DE4B-95CE-6DB70DBA9567}" type="datetimeFigureOut">
               <a:rPr lang="en-US" dirty="0"/>
               <a:pPr/>
-              <a:t>4/30/17</a:t>
+              <a:t>5/2/17</a:t>
             </a:fld>
             <a:endParaRPr lang="en-US" dirty="0"/>
           </a:p>
@@ -4170,7 +4170,7 @@
             <a:fld id="{B61BEF0D-F0BB-DE4B-95CE-6DB70DBA9567}" type="datetimeFigureOut">
               <a:rPr lang="en-US" dirty="0"/>
               <a:pPr/>
-              <a:t>4/30/17</a:t>
+              <a:t>5/2/17</a:t>
             </a:fld>
             <a:endParaRPr lang="en-US" dirty="0"/>
           </a:p>
@@ -4344,7 +4344,7 @@
             <a:fld id="{B61BEF0D-F0BB-DE4B-95CE-6DB70DBA9567}" type="datetimeFigureOut">
               <a:rPr lang="en-US" dirty="0"/>
               <a:pPr/>
-              <a:t>4/30/17</a:t>
+              <a:t>5/2/17</a:t>
             </a:fld>
             <a:endParaRPr lang="en-US" dirty="0"/>
           </a:p>
@@ -4674,7 +4674,7 @@
             <a:fld id="{B61BEF0D-F0BB-DE4B-95CE-6DB70DBA9567}" type="datetimeFigureOut">
               <a:rPr lang="en-US" dirty="0"/>
               <a:pPr/>
-              <a:t>4/30/17</a:t>
+              <a:t>5/2/17</a:t>
             </a:fld>
             <a:endParaRPr lang="en-US" dirty="0"/>
           </a:p>
@@ -5016,7 +5016,7 @@
             <a:fld id="{B61BEF0D-F0BB-DE4B-95CE-6DB70DBA9567}" type="datetimeFigureOut">
               <a:rPr lang="en-US" dirty="0"/>
               <a:pPr/>
-              <a:t>4/30/17</a:t>
+              <a:t>5/2/17</a:t>
             </a:fld>
             <a:endParaRPr lang="en-US" dirty="0"/>
           </a:p>
@@ -7130,7 +7130,7 @@
             <a:fld id="{B61BEF0D-F0BB-DE4B-95CE-6DB70DBA9567}" type="datetimeFigureOut">
               <a:rPr lang="en-US" dirty="0"/>
               <a:pPr/>
-              <a:t>4/30/17</a:t>
+              <a:t>5/2/17</a:t>
             </a:fld>
             <a:endParaRPr lang="en-US" dirty="0"/>
           </a:p>
@@ -7712,6 +7712,13 @@
   <p:clrMapOvr>
     <a:masterClrMapping/>
   </p:clrMapOvr>
+  <p:timing>
+    <p:tnLst>
+      <p:par>
+        <p:cTn id="1" dur="indefinite" restart="never" nodeType="tmRoot"/>
+      </p:par>
+    </p:tnLst>
+  </p:timing>
 </p:sld>
 </file>
 
@@ -7834,7 +7841,7 @@
       </p:sp>
       <p:pic>
         <p:nvPicPr>
-          <p:cNvPr id="4" name="Picture 3"/>
+          <p:cNvPr id="5" name="Picture 4"/>
           <p:cNvPicPr>
             <a:picLocks noChangeAspect="1"/>
           </p:cNvPicPr>
@@ -7854,8 +7861,8 @@
         </p:blipFill>
         <p:spPr>
           <a:xfrm>
-            <a:off x="4038600" y="3804557"/>
-            <a:ext cx="4350657" cy="2832384"/>
+            <a:off x="2931886" y="3831771"/>
+            <a:ext cx="6487885" cy="2764862"/>
           </a:xfrm>
           <a:prstGeom prst="rect">
             <a:avLst/>
@@ -10439,6 +10446,13 @@
   <p:clrMapOvr>
     <a:masterClrMapping/>
   </p:clrMapOvr>
+  <p:timing>
+    <p:tnLst>
+      <p:par>
+        <p:cTn id="1" dur="indefinite" restart="never" nodeType="tmRoot"/>
+      </p:par>
+    </p:tnLst>
+  </p:timing>
 </p:sld>
 </file>
 
@@ -10633,6 +10647,13 @@
   <p:clrMapOvr>
     <a:masterClrMapping/>
   </p:clrMapOvr>
+  <p:timing>
+    <p:tnLst>
+      <p:par>
+        <p:cTn id="1" dur="indefinite" restart="never" nodeType="tmRoot"/>
+      </p:par>
+    </p:tnLst>
+  </p:timing>
 </p:sld>
 </file>
 
@@ -11035,12 +11056,12 @@
               <a:t>to take a snapshot of your files </a:t>
             </a:r>
             <a:r>
-              <a:rPr lang="en-US" dirty="0" err="1"/>
-              <a:t>everytime</a:t>
-            </a:r>
-            <a:r>
-              <a:rPr lang="en-US" dirty="0"/>
-              <a:t> you edit them. </a:t>
+              <a:rPr lang="en-US" dirty="0" smtClean="0"/>
+              <a:t>every time </a:t>
+            </a:r>
+            <a:r>
+              <a:rPr lang="en-US" dirty="0"/>
+              <a:t>you edit them. </a:t>
             </a:r>
             <a:endParaRPr lang="en-US" dirty="0" smtClean="0"/>
           </a:p>
@@ -11547,6 +11568,13 @@
   <p:clrMapOvr>
     <a:masterClrMapping/>
   </p:clrMapOvr>
+  <p:timing>
+    <p:tnLst>
+      <p:par>
+        <p:cTn id="1" dur="indefinite" restart="never" nodeType="tmRoot"/>
+      </p:par>
+    </p:tnLst>
+  </p:timing>
 </p:sld>
 </file>
 

--- a/May3_1700_Github/Github_presentation.pptx
+++ b/May3_1700_Github/Github_presentation.pptx
@@ -15,16 +15,18 @@
     <p:sldId id="275" r:id="rId9"/>
     <p:sldId id="264" r:id="rId10"/>
     <p:sldId id="263" r:id="rId11"/>
-    <p:sldId id="265" r:id="rId12"/>
-    <p:sldId id="266" r:id="rId13"/>
-    <p:sldId id="267" r:id="rId14"/>
-    <p:sldId id="268" r:id="rId15"/>
-    <p:sldId id="269" r:id="rId16"/>
-    <p:sldId id="270" r:id="rId17"/>
-    <p:sldId id="271" r:id="rId18"/>
-    <p:sldId id="272" r:id="rId19"/>
-    <p:sldId id="273" r:id="rId20"/>
-    <p:sldId id="274" r:id="rId21"/>
+    <p:sldId id="276" r:id="rId12"/>
+    <p:sldId id="265" r:id="rId13"/>
+    <p:sldId id="266" r:id="rId14"/>
+    <p:sldId id="267" r:id="rId15"/>
+    <p:sldId id="268" r:id="rId16"/>
+    <p:sldId id="269" r:id="rId17"/>
+    <p:sldId id="270" r:id="rId18"/>
+    <p:sldId id="271" r:id="rId19"/>
+    <p:sldId id="272" r:id="rId20"/>
+    <p:sldId id="273" r:id="rId21"/>
+    <p:sldId id="277" r:id="rId22"/>
+    <p:sldId id="274" r:id="rId23"/>
   </p:sldIdLst>
   <p:sldSz cx="12192000" cy="6858000"/>
   <p:notesSz cx="6858000" cy="9144000"/>
@@ -7784,9 +7786,16 @@
           </a:bodyPr>
           <a:lstStyle/>
           <a:p>
-            <a:r>
-              <a:rPr lang="en-US" dirty="0"/>
-              <a:t>Your teammate:  -make changes to the project.                                                      -                             -Commits the changes on her local repository.                                            -                             -Pushes the changes to </a:t>
+            <a:endParaRPr lang="en-US" dirty="0" smtClean="0"/>
+          </a:p>
+          <a:p>
+            <a:r>
+              <a:rPr lang="en-US" dirty="0" smtClean="0"/>
+              <a:t>Your </a:t>
+            </a:r>
+            <a:r>
+              <a:rPr lang="en-US" dirty="0"/>
+              <a:t>teammate:  -make changes to the project.                                                      -                             -Commits the changes on her local repository.                                            -                             -Pushes the changes to </a:t>
             </a:r>
             <a:r>
               <a:rPr lang="en-US" dirty="0" err="1"/>
@@ -7798,9 +7807,16 @@
             </a:r>
           </a:p>
           <a:p>
-            <a:r>
-              <a:rPr lang="en-US" dirty="0"/>
-              <a:t>You:                       -</a:t>
+            <a:endParaRPr lang="en-US" dirty="0" smtClean="0"/>
+          </a:p>
+          <a:p>
+            <a:r>
+              <a:rPr lang="en-US" dirty="0" smtClean="0"/>
+              <a:t>You</a:t>
+            </a:r>
+            <a:r>
+              <a:rPr lang="en-US" dirty="0"/>
+              <a:t>:                       -</a:t>
             </a:r>
             <a:r>
               <a:rPr lang="en-US" b="1" dirty="0"/>
@@ -7839,36 +7855,6 @@
           </a:p>
         </p:txBody>
       </p:sp>
-      <p:pic>
-        <p:nvPicPr>
-          <p:cNvPr id="5" name="Picture 4"/>
-          <p:cNvPicPr>
-            <a:picLocks noChangeAspect="1"/>
-          </p:cNvPicPr>
-          <p:nvPr/>
-        </p:nvPicPr>
-        <p:blipFill>
-          <a:blip r:embed="rId2">
-            <a:extLst>
-              <a:ext uri="{28A0092B-C50C-407E-A947-70E740481C1C}">
-                <a14:useLocalDpi xmlns:a14="http://schemas.microsoft.com/office/drawing/2010/main" val="0"/>
-              </a:ext>
-            </a:extLst>
-          </a:blip>
-          <a:stretch>
-            <a:fillRect/>
-          </a:stretch>
-        </p:blipFill>
-        <p:spPr>
-          <a:xfrm>
-            <a:off x="2931886" y="3831771"/>
-            <a:ext cx="6487885" cy="2764862"/>
-          </a:xfrm>
-          <a:prstGeom prst="rect">
-            <a:avLst/>
-          </a:prstGeom>
-        </p:spPr>
-      </p:pic>
     </p:spTree>
     <p:extLst>
       <p:ext uri="{BB962C8B-B14F-4D97-AF65-F5344CB8AC3E}">
@@ -7919,7 +7905,7 @@
         <p:spPr>
           <a:xfrm>
             <a:off x="2592925" y="624110"/>
-            <a:ext cx="8911687" cy="725719"/>
+            <a:ext cx="8911687" cy="691343"/>
           </a:xfrm>
         </p:spPr>
         <p:txBody>
@@ -7927,182 +7913,52 @@
           <a:lstStyle/>
           <a:p>
             <a:r>
-              <a:rPr lang="en-US" dirty="0"/>
-              <a:t>Install and set up </a:t>
-            </a:r>
-            <a:r>
-              <a:rPr lang="en-US" dirty="0" err="1"/>
-              <a:t>Git</a:t>
-            </a:r>
-            <a:endParaRPr lang="en-US" dirty="0"/>
-          </a:p>
-        </p:txBody>
-      </p:sp>
-      <p:sp>
-        <p:nvSpPr>
-          <p:cNvPr id="3" name="Content Placeholder 2"/>
-          <p:cNvSpPr>
-            <a:spLocks noGrp="1"/>
-          </p:cNvSpPr>
+              <a:rPr lang="en-US" smtClean="0"/>
+              <a:t>How push and pull works</a:t>
+            </a:r>
+            <a:endParaRPr lang="en-US"/>
+          </a:p>
+        </p:txBody>
+      </p:sp>
+      <p:pic>
+        <p:nvPicPr>
+          <p:cNvPr id="4" name="Content Placeholder 3"/>
+          <p:cNvPicPr>
+            <a:picLocks noGrp="1" noChangeAspect="1"/>
+          </p:cNvPicPr>
           <p:nvPr>
             <p:ph idx="1"/>
           </p:nvPr>
-        </p:nvSpPr>
+        </p:nvPicPr>
+        <p:blipFill>
+          <a:blip r:embed="rId2">
+            <a:extLst>
+              <a:ext uri="{28A0092B-C50C-407E-A947-70E740481C1C}">
+                <a14:useLocalDpi xmlns:a14="http://schemas.microsoft.com/office/drawing/2010/main" val="0"/>
+              </a:ext>
+            </a:extLst>
+          </a:blip>
+          <a:stretch>
+            <a:fillRect/>
+          </a:stretch>
+        </p:blipFill>
         <p:spPr>
           <a:xfrm>
-            <a:off x="2589212" y="1349829"/>
-            <a:ext cx="8915400" cy="4561393"/>
+            <a:off x="2592925" y="1572126"/>
+            <a:ext cx="7334483" cy="4339724"/>
           </a:xfrm>
         </p:spPr>
-        <p:txBody>
-          <a:bodyPr/>
-          <a:lstStyle/>
-          <a:p>
-            <a:endParaRPr lang="en-US" b="1" dirty="0" smtClean="0"/>
-          </a:p>
-          <a:p>
-            <a:endParaRPr lang="en-US" b="1" dirty="0"/>
-          </a:p>
-          <a:p>
-            <a:endParaRPr lang="en-US" b="1" dirty="0" smtClean="0"/>
-          </a:p>
-          <a:p>
-            <a:r>
-              <a:rPr lang="en-US" b="1" dirty="0" smtClean="0"/>
-              <a:t>Mac users:</a:t>
-            </a:r>
-          </a:p>
-          <a:p>
-            <a:r>
-              <a:rPr lang="en-US" dirty="0"/>
-              <a:t>Download </a:t>
-            </a:r>
-            <a:r>
-              <a:rPr lang="en-US" dirty="0" err="1"/>
-              <a:t>Git</a:t>
-            </a:r>
-            <a:r>
-              <a:rPr lang="en-US" dirty="0"/>
-              <a:t> from </a:t>
-            </a:r>
-            <a:r>
-              <a:rPr lang="en-US" dirty="0" smtClean="0"/>
-              <a:t>(</a:t>
-            </a:r>
-            <a:r>
-              <a:rPr lang="en-US" dirty="0" smtClean="0">
-                <a:hlinkClick r:id="rId2"/>
-              </a:rPr>
-              <a:t>https</a:t>
-            </a:r>
-            <a:r>
-              <a:rPr lang="en-US" dirty="0">
-                <a:hlinkClick r:id="rId2"/>
-              </a:rPr>
-              <a:t>://git-scm.com/download/mac</a:t>
-            </a:r>
-            <a:r>
-              <a:rPr lang="en-US" dirty="0" smtClean="0">
-                <a:hlinkClick r:id="rId2"/>
-              </a:rPr>
-              <a:t>)</a:t>
-            </a:r>
-            <a:endParaRPr lang="en-US" dirty="0" smtClean="0"/>
-          </a:p>
-          <a:p>
-            <a:endParaRPr lang="en-US" b="1" dirty="0" smtClean="0"/>
-          </a:p>
-          <a:p>
-            <a:r>
-              <a:rPr lang="en-US" b="1" dirty="0" smtClean="0"/>
-              <a:t>Windows users:</a:t>
-            </a:r>
-          </a:p>
-          <a:p>
-            <a:r>
-              <a:rPr lang="en-US" dirty="0"/>
-              <a:t>Download </a:t>
-            </a:r>
-            <a:r>
-              <a:rPr lang="en-US" dirty="0" err="1"/>
-              <a:t>Git</a:t>
-            </a:r>
-            <a:r>
-              <a:rPr lang="en-US" dirty="0"/>
-              <a:t> </a:t>
-            </a:r>
-            <a:r>
-              <a:rPr lang="en-US" dirty="0" smtClean="0"/>
-              <a:t>from (</a:t>
-            </a:r>
-            <a:r>
-              <a:rPr lang="en-US" dirty="0" smtClean="0">
-                <a:hlinkClick r:id="rId3"/>
-              </a:rPr>
-              <a:t>https</a:t>
-            </a:r>
-            <a:r>
-              <a:rPr lang="en-US" dirty="0">
-                <a:hlinkClick r:id="rId3"/>
-              </a:rPr>
-              <a:t>://git-scm.com/download/win</a:t>
-            </a:r>
-            <a:r>
-              <a:rPr lang="en-US" dirty="0" smtClean="0">
-                <a:hlinkClick r:id="rId3"/>
-              </a:rPr>
-              <a:t>)</a:t>
-            </a:r>
-            <a:endParaRPr lang="en-US" dirty="0" smtClean="0"/>
-          </a:p>
-          <a:p>
-            <a:endParaRPr lang="en-US" dirty="0"/>
-          </a:p>
-        </p:txBody>
-      </p:sp>
-      <p:sp>
-        <p:nvSpPr>
-          <p:cNvPr id="4" name="TextBox 3"/>
-          <p:cNvSpPr txBox="1"/>
-          <p:nvPr/>
-        </p:nvSpPr>
-        <p:spPr>
-          <a:xfrm>
-            <a:off x="5007429" y="2075543"/>
-            <a:ext cx="184731" cy="369332"/>
-          </a:xfrm>
-          <a:prstGeom prst="rect">
-            <a:avLst/>
-          </a:prstGeom>
-          <a:noFill/>
-        </p:spPr>
-        <p:txBody>
-          <a:bodyPr wrap="none" rtlCol="0">
-            <a:spAutoFit/>
-          </a:bodyPr>
-          <a:lstStyle/>
-          <a:p>
-            <a:endParaRPr lang="en-US" dirty="0"/>
-          </a:p>
-        </p:txBody>
-      </p:sp>
+      </p:pic>
     </p:spTree>
     <p:extLst>
       <p:ext uri="{BB962C8B-B14F-4D97-AF65-F5344CB8AC3E}">
-        <p14:creationId xmlns:p14="http://schemas.microsoft.com/office/powerpoint/2010/main" val="576214832"/>
+        <p14:creationId xmlns:p14="http://schemas.microsoft.com/office/powerpoint/2010/main" val="1904603200"/>
       </p:ext>
     </p:extLst>
   </p:cSld>
   <p:clrMapOvr>
     <a:masterClrMapping/>
   </p:clrMapOvr>
-  <p:timing>
-    <p:tnLst>
-      <p:par>
-        <p:cTn id="1" dur="indefinite" restart="never" nodeType="tmRoot"/>
-      </p:par>
-    </p:tnLst>
-  </p:timing>
 </p:sld>
 </file>
 
@@ -8136,7 +7992,7 @@
         <p:spPr>
           <a:xfrm>
             <a:off x="2592925" y="624110"/>
-            <a:ext cx="8911687" cy="754747"/>
+            <a:ext cx="8911687" cy="725719"/>
           </a:xfrm>
         </p:spPr>
         <p:txBody>
@@ -8145,11 +8001,11 @@
           <a:p>
             <a:r>
               <a:rPr lang="en-US" dirty="0"/>
-              <a:t>How to start using </a:t>
+              <a:t>Install and set up </a:t>
             </a:r>
             <a:r>
               <a:rPr lang="en-US" dirty="0" err="1"/>
-              <a:t>Github</a:t>
+              <a:t>Git</a:t>
             </a:r>
             <a:endParaRPr lang="en-US" dirty="0"/>
           </a:p>
@@ -8167,25 +8023,44 @@
         </p:nvSpPr>
         <p:spPr>
           <a:xfrm>
-            <a:off x="2589212" y="1480457"/>
-            <a:ext cx="8915400" cy="4430765"/>
+            <a:off x="2589212" y="1349829"/>
+            <a:ext cx="8915400" cy="4561393"/>
           </a:xfrm>
         </p:spPr>
         <p:txBody>
           <a:bodyPr/>
           <a:lstStyle/>
           <a:p>
-            <a:r>
-              <a:rPr lang="en-US" dirty="0"/>
-              <a:t>- Register for a free </a:t>
+            <a:endParaRPr lang="en-US" b="1" dirty="0" smtClean="0"/>
+          </a:p>
+          <a:p>
+            <a:endParaRPr lang="en-US" b="1" dirty="0"/>
+          </a:p>
+          <a:p>
+            <a:endParaRPr lang="en-US" b="1" dirty="0" smtClean="0"/>
+          </a:p>
+          <a:p>
+            <a:r>
+              <a:rPr lang="en-US" b="1" dirty="0" smtClean="0"/>
+              <a:t>Mac users:</a:t>
+            </a:r>
+          </a:p>
+          <a:p>
+            <a:r>
+              <a:rPr lang="en-US" dirty="0"/>
+              <a:t>Download </a:t>
             </a:r>
             <a:r>
               <a:rPr lang="en-US" dirty="0" err="1"/>
-              <a:t>Github</a:t>
-            </a:r>
-            <a:r>
-              <a:rPr lang="en-US" dirty="0"/>
-              <a:t> account : </a:t>
+              <a:t>Git</a:t>
+            </a:r>
+            <a:r>
+              <a:rPr lang="en-US" dirty="0"/>
+              <a:t> from </a:t>
+            </a:r>
+            <a:r>
+              <a:rPr lang="en-US" dirty="0" smtClean="0"/>
+              <a:t>(</a:t>
             </a:r>
             <a:r>
               <a:rPr lang="en-US" dirty="0" smtClean="0">
@@ -8197,114 +8072,97 @@
               <a:rPr lang="en-US" dirty="0">
                 <a:hlinkClick r:id="rId2"/>
               </a:rPr>
-              <a:t>://</a:t>
+              <a:t>://git-scm.com/download/mac</a:t>
             </a:r>
             <a:r>
               <a:rPr lang="en-US" dirty="0" smtClean="0">
                 <a:hlinkClick r:id="rId2"/>
               </a:rPr>
-              <a:t>github.com</a:t>
+              <a:t>)</a:t>
             </a:r>
             <a:endParaRPr lang="en-US" dirty="0" smtClean="0"/>
           </a:p>
           <a:p>
-            <a:r>
-              <a:rPr lang="en-US" dirty="0" smtClean="0"/>
-              <a:t>- </a:t>
+            <a:endParaRPr lang="en-US" b="1" dirty="0" smtClean="0"/>
+          </a:p>
+          <a:p>
+            <a:r>
+              <a:rPr lang="en-US" b="1" dirty="0" smtClean="0"/>
+              <a:t>Windows users:</a:t>
+            </a:r>
+          </a:p>
+          <a:p>
+            <a:r>
+              <a:rPr lang="en-US" dirty="0"/>
+              <a:t>Download </a:t>
             </a:r>
             <a:r>
               <a:rPr lang="en-US" dirty="0" err="1"/>
-              <a:t>Creat</a:t>
-            </a:r>
-            <a:r>
-              <a:rPr lang="en-US" dirty="0"/>
-              <a:t> a new repository. Name it "</a:t>
-            </a:r>
-            <a:r>
-              <a:rPr lang="en-US" dirty="0" err="1"/>
-              <a:t>myFirstGitTry</a:t>
-            </a:r>
-            <a:r>
-              <a:rPr lang="en-US" dirty="0" smtClean="0"/>
-              <a:t>".</a:t>
-            </a:r>
-          </a:p>
-          <a:p>
-            <a:r>
-              <a:rPr lang="en-US" dirty="0" smtClean="0"/>
-              <a:t>- </a:t>
-            </a:r>
-            <a:r>
-              <a:rPr lang="en-US" dirty="0"/>
-              <a:t>Write a brief description (For example : "I am trying to learn </a:t>
-            </a:r>
-            <a:r>
-              <a:rPr lang="en-US" dirty="0" err="1"/>
-              <a:t>git</a:t>
-            </a:r>
-            <a:r>
-              <a:rPr lang="en-US" dirty="0" smtClean="0"/>
-              <a:t>.")</a:t>
-            </a:r>
-          </a:p>
-          <a:p>
-            <a:r>
-              <a:rPr lang="en-US" dirty="0" smtClean="0"/>
-              <a:t>- </a:t>
-            </a:r>
-            <a:r>
-              <a:rPr lang="en-US" dirty="0"/>
-              <a:t>Choose "</a:t>
-            </a:r>
-            <a:r>
-              <a:rPr lang="en-US" dirty="0" smtClean="0"/>
-              <a:t>public”</a:t>
-            </a:r>
-          </a:p>
-          <a:p>
-            <a:r>
-              <a:rPr lang="en-US" dirty="0" smtClean="0"/>
-              <a:t>- </a:t>
-            </a:r>
-            <a:r>
-              <a:rPr lang="en-US" dirty="0"/>
-              <a:t>Check the box "Initialize this repository with a </a:t>
-            </a:r>
-            <a:r>
-              <a:rPr lang="en-US" dirty="0" smtClean="0"/>
-              <a:t>README”</a:t>
-            </a:r>
-          </a:p>
-          <a:p>
-            <a:r>
-              <a:rPr lang="en-US" dirty="0" smtClean="0"/>
-              <a:t>- </a:t>
-            </a:r>
-            <a:r>
-              <a:rPr lang="en-US" dirty="0"/>
-              <a:t>Click "create </a:t>
-            </a:r>
-            <a:r>
-              <a:rPr lang="en-US" dirty="0" smtClean="0"/>
-              <a:t>repository”</a:t>
-            </a:r>
-          </a:p>
-          <a:p>
-            <a:r>
-              <a:rPr lang="en-US" dirty="0" smtClean="0"/>
-              <a:t>- </a:t>
-            </a:r>
-            <a:r>
-              <a:rPr lang="en-US" dirty="0"/>
-              <a:t>Click on "clone and download"- Copy the "web URL"</a:t>
-            </a:r>
+              <a:t>Git</a:t>
+            </a:r>
+            <a:r>
+              <a:rPr lang="en-US" dirty="0"/>
+              <a:t> </a:t>
+            </a:r>
+            <a:r>
+              <a:rPr lang="en-US" dirty="0" smtClean="0"/>
+              <a:t>from (</a:t>
+            </a:r>
+            <a:r>
+              <a:rPr lang="en-US" dirty="0" smtClean="0">
+                <a:hlinkClick r:id="rId3"/>
+              </a:rPr>
+              <a:t>https</a:t>
+            </a:r>
+            <a:r>
+              <a:rPr lang="en-US" dirty="0">
+                <a:hlinkClick r:id="rId3"/>
+              </a:rPr>
+              <a:t>://git-scm.com/download/win</a:t>
+            </a:r>
+            <a:r>
+              <a:rPr lang="en-US" dirty="0" smtClean="0">
+                <a:hlinkClick r:id="rId3"/>
+              </a:rPr>
+              <a:t>)</a:t>
+            </a:r>
+            <a:endParaRPr lang="en-US" dirty="0" smtClean="0"/>
+          </a:p>
+          <a:p>
+            <a:endParaRPr lang="en-US" dirty="0"/>
+          </a:p>
+        </p:txBody>
+      </p:sp>
+      <p:sp>
+        <p:nvSpPr>
+          <p:cNvPr id="4" name="TextBox 3"/>
+          <p:cNvSpPr txBox="1"/>
+          <p:nvPr/>
+        </p:nvSpPr>
+        <p:spPr>
+          <a:xfrm>
+            <a:off x="5007429" y="2075543"/>
+            <a:ext cx="184731" cy="369332"/>
+          </a:xfrm>
+          <a:prstGeom prst="rect">
+            <a:avLst/>
+          </a:prstGeom>
+          <a:noFill/>
+        </p:spPr>
+        <p:txBody>
+          <a:bodyPr wrap="none" rtlCol="0">
+            <a:spAutoFit/>
+          </a:bodyPr>
+          <a:lstStyle/>
+          <a:p>
+            <a:endParaRPr lang="en-US" dirty="0"/>
           </a:p>
         </p:txBody>
       </p:sp>
     </p:spTree>
     <p:extLst>
       <p:ext uri="{BB962C8B-B14F-4D97-AF65-F5344CB8AC3E}">
-        <p14:creationId xmlns:p14="http://schemas.microsoft.com/office/powerpoint/2010/main" val="1222317481"/>
+        <p14:creationId xmlns:p14="http://schemas.microsoft.com/office/powerpoint/2010/main" val="576214832"/>
       </p:ext>
     </p:extLst>
   </p:cSld>
@@ -8351,7 +8209,7 @@
         <p:spPr>
           <a:xfrm>
             <a:off x="2592925" y="624110"/>
-            <a:ext cx="8911687" cy="914404"/>
+            <a:ext cx="8911687" cy="754747"/>
           </a:xfrm>
         </p:spPr>
         <p:txBody>
@@ -8359,9 +8217,14 @@
           <a:lstStyle/>
           <a:p>
             <a:r>
-              <a:rPr lang="en-US"/>
-              <a:t>Cloning the repository through R Studio</a:t>
-            </a:r>
+              <a:rPr lang="en-US" dirty="0"/>
+              <a:t>How to start using </a:t>
+            </a:r>
+            <a:r>
+              <a:rPr lang="en-US" dirty="0" err="1"/>
+              <a:t>Github</a:t>
+            </a:r>
+            <a:endParaRPr lang="en-US" dirty="0"/>
           </a:p>
         </p:txBody>
       </p:sp>
@@ -8377,8 +8240,8 @@
         </p:nvSpPr>
         <p:spPr>
           <a:xfrm>
-            <a:off x="2589212" y="1436914"/>
-            <a:ext cx="8915400" cy="4474308"/>
+            <a:off x="2589212" y="1480457"/>
+            <a:ext cx="8915400" cy="4430765"/>
           </a:xfrm>
         </p:spPr>
         <p:txBody>
@@ -8387,20 +8250,35 @@
           <a:p>
             <a:r>
               <a:rPr lang="en-US" dirty="0"/>
-              <a:t>- Go to </a:t>
+              <a:t>- Register for a free </a:t>
             </a:r>
             <a:r>
               <a:rPr lang="en-US" dirty="0" err="1"/>
-              <a:t>RStudio</a:t>
-            </a:r>
-            <a:r>
-              <a:rPr lang="en-US" dirty="0"/>
-              <a:t>- File -&gt; new </a:t>
-            </a:r>
-            <a:r>
-              <a:rPr lang="en-US" dirty="0" smtClean="0"/>
-              <a:t>project</a:t>
-            </a:r>
+              <a:t>Github</a:t>
+            </a:r>
+            <a:r>
+              <a:rPr lang="en-US" dirty="0"/>
+              <a:t> account : </a:t>
+            </a:r>
+            <a:r>
+              <a:rPr lang="en-US" dirty="0" smtClean="0">
+                <a:hlinkClick r:id="rId2"/>
+              </a:rPr>
+              <a:t>https</a:t>
+            </a:r>
+            <a:r>
+              <a:rPr lang="en-US" dirty="0">
+                <a:hlinkClick r:id="rId2"/>
+              </a:rPr>
+              <a:t>://</a:t>
+            </a:r>
+            <a:r>
+              <a:rPr lang="en-US" dirty="0" smtClean="0">
+                <a:hlinkClick r:id="rId2"/>
+              </a:rPr>
+              <a:t>github.com</a:t>
+            </a:r>
+            <a:endParaRPr lang="en-US" dirty="0" smtClean="0"/>
           </a:p>
           <a:p>
             <a:r>
@@ -8408,12 +8286,20 @@
               <a:t>- </a:t>
             </a:r>
             <a:r>
-              <a:rPr lang="en-US" dirty="0"/>
-              <a:t>Click on "version control</a:t>
-            </a:r>
-            <a:r>
-              <a:rPr lang="en-US" dirty="0" smtClean="0"/>
-              <a:t>"”</a:t>
+              <a:rPr lang="en-US" dirty="0" err="1"/>
+              <a:t>Creat</a:t>
+            </a:r>
+            <a:r>
+              <a:rPr lang="en-US" dirty="0"/>
+              <a:t> a new repository. Name it "</a:t>
+            </a:r>
+            <a:r>
+              <a:rPr lang="en-US" dirty="0" err="1"/>
+              <a:t>myFirstGitTry</a:t>
+            </a:r>
+            <a:r>
+              <a:rPr lang="en-US" dirty="0" smtClean="0"/>
+              <a:t>".</a:t>
             </a:r>
           </a:p>
           <a:p>
@@ -8423,19 +8309,15 @@
             </a:r>
             <a:r>
               <a:rPr lang="en-US" dirty="0"/>
-              <a:t>Click on "</a:t>
+              <a:t>Write a brief description (For example : "I am trying to learn </a:t>
             </a:r>
             <a:r>
               <a:rPr lang="en-US" dirty="0" err="1"/>
-              <a:t>Git</a:t>
-            </a:r>
-            <a:r>
-              <a:rPr lang="en-US" dirty="0"/>
-              <a:t>"(Clone a project from a repository</a:t>
-            </a:r>
-            <a:r>
-              <a:rPr lang="en-US" dirty="0" smtClean="0"/>
-              <a:t>)</a:t>
+              <a:t>git</a:t>
+            </a:r>
+            <a:r>
+              <a:rPr lang="en-US" dirty="0" smtClean="0"/>
+              <a:t>.")</a:t>
             </a:r>
           </a:p>
           <a:p>
@@ -8445,11 +8327,11 @@
             </a:r>
             <a:r>
               <a:rPr lang="en-US" dirty="0"/>
-              <a:t>Paste the web URL in "Repository URL</a:t>
-            </a:r>
-            <a:r>
-              <a:rPr lang="en-US" dirty="0" smtClean="0"/>
-              <a:t>".</a:t>
+              <a:t>Choose "</a:t>
+            </a:r>
+            <a:r>
+              <a:rPr lang="en-US" dirty="0" smtClean="0"/>
+              <a:t>public”</a:t>
             </a:r>
           </a:p>
           <a:p>
@@ -8459,11 +8341,11 @@
             </a:r>
             <a:r>
               <a:rPr lang="en-US" dirty="0"/>
-              <a:t>Browse the "Create as a subdirectory of" and create a new folder called "</a:t>
-            </a:r>
-            <a:r>
-              <a:rPr lang="en-US" dirty="0" smtClean="0"/>
-              <a:t>May_Short_Course_NEU_2017”</a:t>
+              <a:t>Check the box "Initialize this repository with a </a:t>
+            </a:r>
+            <a:r>
+              <a:rPr lang="en-US" dirty="0" smtClean="0"/>
+              <a:t>README”</a:t>
             </a:r>
           </a:p>
           <a:p>
@@ -8473,11 +8355,11 @@
             </a:r>
             <a:r>
               <a:rPr lang="en-US" dirty="0"/>
-              <a:t>Choose "open in new </a:t>
-            </a:r>
-            <a:r>
-              <a:rPr lang="en-US" dirty="0" smtClean="0"/>
-              <a:t>session”</a:t>
+              <a:t>Click "create </a:t>
+            </a:r>
+            <a:r>
+              <a:rPr lang="en-US" dirty="0" smtClean="0"/>
+              <a:t>repository”</a:t>
             </a:r>
           </a:p>
           <a:p>
@@ -8487,7 +8369,7 @@
             </a:r>
             <a:r>
               <a:rPr lang="en-US" dirty="0"/>
-              <a:t>Click on "create project"</a:t>
+              <a:t>Click on "clone and download"- Copy the "web URL"</a:t>
             </a:r>
           </a:p>
         </p:txBody>
@@ -8495,7 +8377,7 @@
     </p:spTree>
     <p:extLst>
       <p:ext uri="{BB962C8B-B14F-4D97-AF65-F5344CB8AC3E}">
-        <p14:creationId xmlns:p14="http://schemas.microsoft.com/office/powerpoint/2010/main" val="1413816856"/>
+        <p14:creationId xmlns:p14="http://schemas.microsoft.com/office/powerpoint/2010/main" val="1222317481"/>
       </p:ext>
     </p:extLst>
   </p:cSld>
@@ -8542,7 +8424,7 @@
         <p:spPr>
           <a:xfrm>
             <a:off x="2592925" y="624110"/>
-            <a:ext cx="8911687" cy="740233"/>
+            <a:ext cx="8911687" cy="914404"/>
           </a:xfrm>
         </p:spPr>
         <p:txBody>
@@ -8550,22 +8432,9 @@
           <a:lstStyle/>
           <a:p>
             <a:r>
-              <a:rPr lang="en-US" dirty="0"/>
-              <a:t>Commit a </a:t>
-            </a:r>
-            <a:r>
-              <a:rPr lang="en-US" dirty="0" smtClean="0"/>
-              <a:t>change, push </a:t>
-            </a:r>
-            <a:r>
-              <a:rPr lang="en-US" dirty="0"/>
-              <a:t>to </a:t>
-            </a:r>
-            <a:r>
-              <a:rPr lang="en-US" dirty="0" err="1" smtClean="0"/>
-              <a:t>Github</a:t>
-            </a:r>
-            <a:endParaRPr lang="en-US" dirty="0"/>
+              <a:rPr lang="en-US"/>
+              <a:t>Cloning the repository through R Studio</a:t>
+            </a:r>
           </a:p>
         </p:txBody>
       </p:sp>
@@ -8581,27 +8450,29 @@
         </p:nvSpPr>
         <p:spPr>
           <a:xfrm>
-            <a:off x="2589212" y="1364343"/>
-            <a:ext cx="8915400" cy="5094514"/>
+            <a:off x="2589212" y="1436914"/>
+            <a:ext cx="8915400" cy="4474308"/>
           </a:xfrm>
         </p:spPr>
         <p:txBody>
-          <a:bodyPr>
-            <a:normAutofit/>
-          </a:bodyPr>
+          <a:bodyPr/>
           <a:lstStyle/>
           <a:p>
             <a:r>
               <a:rPr lang="en-US" dirty="0"/>
-              <a:t>- Click on "</a:t>
-            </a:r>
-            <a:r>
-              <a:rPr lang="en-US" dirty="0" err="1" smtClean="0"/>
-              <a:t>README.md</a:t>
-            </a:r>
-            <a:r>
-              <a:rPr lang="en-US" dirty="0" smtClean="0"/>
-              <a:t>”</a:t>
+              <a:t>- Go to </a:t>
+            </a:r>
+            <a:r>
+              <a:rPr lang="en-US" dirty="0" err="1"/>
+              <a:t>RStudio</a:t>
+            </a:r>
+            <a:r>
+              <a:rPr lang="en-US" dirty="0"/>
+              <a:t>- File -&gt; new </a:t>
+            </a:r>
+            <a:r>
+              <a:rPr lang="en-US" dirty="0" smtClean="0"/>
+              <a:t>project</a:t>
             </a:r>
           </a:p>
           <a:p>
@@ -8611,11 +8482,11 @@
             </a:r>
             <a:r>
               <a:rPr lang="en-US" dirty="0"/>
-              <a:t>Write another line of message (For example : "I cloned my project</a:t>
-            </a:r>
-            <a:r>
-              <a:rPr lang="en-US" dirty="0" smtClean="0"/>
-              <a:t>.")</a:t>
+              <a:t>Click on "version control</a:t>
+            </a:r>
+            <a:r>
+              <a:rPr lang="en-US" dirty="0" smtClean="0"/>
+              <a:t>"”</a:t>
             </a:r>
           </a:p>
           <a:p>
@@ -8625,23 +8496,15 @@
             </a:r>
             <a:r>
               <a:rPr lang="en-US" dirty="0"/>
-              <a:t>Save it (</a:t>
+              <a:t>Click on "</a:t>
             </a:r>
             <a:r>
               <a:rPr lang="en-US" dirty="0" err="1"/>
-              <a:t>command+s</a:t>
-            </a:r>
-            <a:r>
-              <a:rPr lang="en-US" dirty="0"/>
-              <a:t> in mac or </a:t>
-            </a:r>
-            <a:r>
-              <a:rPr lang="en-US" dirty="0" err="1"/>
-              <a:t>Ctrl+s</a:t>
-            </a:r>
-            <a:r>
-              <a:rPr lang="en-US" dirty="0"/>
-              <a:t> in windows</a:t>
+              <a:t>Git</a:t>
+            </a:r>
+            <a:r>
+              <a:rPr lang="en-US" dirty="0"/>
+              <a:t>"(Clone a project from a repository</a:t>
             </a:r>
             <a:r>
               <a:rPr lang="en-US" dirty="0" smtClean="0"/>
@@ -8655,11 +8518,11 @@
             </a:r>
             <a:r>
               <a:rPr lang="en-US" dirty="0"/>
-              <a:t>Click on the small GIT icon and choose "</a:t>
-            </a:r>
-            <a:r>
-              <a:rPr lang="en-US" dirty="0" smtClean="0"/>
-              <a:t>Commit”</a:t>
+              <a:t>Paste the web URL in "Repository URL</a:t>
+            </a:r>
+            <a:r>
+              <a:rPr lang="en-US" dirty="0" smtClean="0"/>
+              <a:t>".</a:t>
             </a:r>
           </a:p>
           <a:p>
@@ -8669,11 +8532,11 @@
             </a:r>
             <a:r>
               <a:rPr lang="en-US" dirty="0"/>
-              <a:t>Check the icon "README" on left</a:t>
-            </a:r>
-            <a:r>
-              <a:rPr lang="en-US" dirty="0" smtClean="0"/>
-              <a:t>.</a:t>
+              <a:t>Browse the "Create as a subdirectory of" and create a new folder called "</a:t>
+            </a:r>
+            <a:r>
+              <a:rPr lang="en-US" dirty="0" smtClean="0"/>
+              <a:t>May_Short_Course_NEU_2017”</a:t>
             </a:r>
           </a:p>
           <a:p>
@@ -8683,11 +8546,11 @@
             </a:r>
             <a:r>
               <a:rPr lang="en-US" dirty="0"/>
-              <a:t>Write a short message of what you have done so far. Click on "commit". Close the window</a:t>
-            </a:r>
-            <a:r>
-              <a:rPr lang="en-US" dirty="0" smtClean="0"/>
-              <a:t>.</a:t>
+              <a:t>Choose "open in new </a:t>
+            </a:r>
+            <a:r>
+              <a:rPr lang="en-US" dirty="0" smtClean="0"/>
+              <a:t>session”</a:t>
             </a:r>
           </a:p>
           <a:p>
@@ -8697,89 +8560,7 @@
             </a:r>
             <a:r>
               <a:rPr lang="en-US" dirty="0"/>
-              <a:t>Again click on the small GIT icon and choose "Push Branch". Then close the window that appears</a:t>
-            </a:r>
-            <a:r>
-              <a:rPr lang="en-US" dirty="0" smtClean="0"/>
-              <a:t>.</a:t>
-            </a:r>
-          </a:p>
-          <a:p>
-            <a:r>
-              <a:rPr lang="en-US" dirty="0" smtClean="0"/>
-              <a:t>- </a:t>
-            </a:r>
-            <a:r>
-              <a:rPr lang="en-US" dirty="0"/>
-              <a:t>Go to the </a:t>
-            </a:r>
-            <a:r>
-              <a:rPr lang="en-US" dirty="0" err="1"/>
-              <a:t>github</a:t>
-            </a:r>
-            <a:r>
-              <a:rPr lang="en-US" dirty="0"/>
-              <a:t> website &lt;https://</a:t>
-            </a:r>
-            <a:r>
-              <a:rPr lang="en-US" dirty="0" err="1"/>
-              <a:t>github.com</a:t>
-            </a:r>
-            <a:r>
-              <a:rPr lang="en-US" dirty="0"/>
-              <a:t>&gt;, sign in and choose "</a:t>
-            </a:r>
-            <a:r>
-              <a:rPr lang="en-US" dirty="0" err="1"/>
-              <a:t>myFirstGitTry</a:t>
-            </a:r>
-            <a:r>
-              <a:rPr lang="en-US" dirty="0"/>
-              <a:t>" repository from bottom right</a:t>
-            </a:r>
-            <a:r>
-              <a:rPr lang="en-US" dirty="0" smtClean="0"/>
-              <a:t>.</a:t>
-            </a:r>
-          </a:p>
-          <a:p>
-            <a:r>
-              <a:rPr lang="en-US" dirty="0" smtClean="0"/>
-              <a:t>- </a:t>
-            </a:r>
-            <a:r>
-              <a:rPr lang="en-US" dirty="0"/>
-              <a:t>Your first commit is there</a:t>
-            </a:r>
-            <a:r>
-              <a:rPr lang="en-US" dirty="0" smtClean="0"/>
-              <a:t>!</a:t>
-            </a:r>
-          </a:p>
-          <a:p>
-            <a:r>
-              <a:rPr lang="en-US" dirty="0" smtClean="0"/>
-              <a:t>- </a:t>
-            </a:r>
-            <a:r>
-              <a:rPr lang="en-US" dirty="0"/>
-              <a:t>Click on </a:t>
-            </a:r>
-            <a:r>
-              <a:rPr lang="en-US" dirty="0" err="1"/>
-              <a:t>README.md</a:t>
-            </a:r>
-            <a:r>
-              <a:rPr lang="en-US" dirty="0"/>
-              <a:t>. You can see that your changes are successfully pushed to </a:t>
-            </a:r>
-            <a:r>
-              <a:rPr lang="en-US" dirty="0" err="1"/>
-              <a:t>Github</a:t>
-            </a:r>
-            <a:r>
-              <a:rPr lang="en-US" dirty="0"/>
-              <a:t> server.</a:t>
+              <a:t>Click on "create project"</a:t>
             </a:r>
           </a:p>
         </p:txBody>
@@ -8787,7 +8568,7 @@
     </p:spTree>
     <p:extLst>
       <p:ext uri="{BB962C8B-B14F-4D97-AF65-F5344CB8AC3E}">
-        <p14:creationId xmlns:p14="http://schemas.microsoft.com/office/powerpoint/2010/main" val="183688141"/>
+        <p14:creationId xmlns:p14="http://schemas.microsoft.com/office/powerpoint/2010/main" val="1413816856"/>
       </p:ext>
     </p:extLst>
   </p:cSld>
@@ -8834,71 +8615,192 @@
         <p:spPr>
           <a:xfrm>
             <a:off x="2592925" y="624110"/>
-            <a:ext cx="8911687" cy="551547"/>
+            <a:ext cx="8911687" cy="740233"/>
           </a:xfrm>
         </p:spPr>
         <p:txBody>
+          <a:bodyPr/>
+          <a:lstStyle/>
+          <a:p>
+            <a:r>
+              <a:rPr lang="en-US" dirty="0"/>
+              <a:t>Commit a </a:t>
+            </a:r>
+            <a:r>
+              <a:rPr lang="en-US" dirty="0" smtClean="0"/>
+              <a:t>change, push </a:t>
+            </a:r>
+            <a:r>
+              <a:rPr lang="en-US" dirty="0"/>
+              <a:t>to </a:t>
+            </a:r>
+            <a:r>
+              <a:rPr lang="en-US" dirty="0" err="1" smtClean="0"/>
+              <a:t>Github</a:t>
+            </a:r>
+            <a:endParaRPr lang="en-US" dirty="0"/>
+          </a:p>
+        </p:txBody>
+      </p:sp>
+      <p:sp>
+        <p:nvSpPr>
+          <p:cNvPr id="3" name="Content Placeholder 2"/>
+          <p:cNvSpPr>
+            <a:spLocks noGrp="1"/>
+          </p:cNvSpPr>
+          <p:nvPr>
+            <p:ph idx="1"/>
+          </p:nvPr>
+        </p:nvSpPr>
+        <p:spPr>
+          <a:xfrm>
+            <a:off x="2589212" y="1364343"/>
+            <a:ext cx="8915400" cy="5094514"/>
+          </a:xfrm>
+        </p:spPr>
+        <p:txBody>
           <a:bodyPr>
-            <a:normAutofit fontScale="90000"/>
+            <a:normAutofit/>
           </a:bodyPr>
           <a:lstStyle/>
           <a:p>
             <a:r>
+              <a:rPr lang="en-US" dirty="0"/>
+              <a:t>- Click on "</a:t>
+            </a:r>
+            <a:r>
+              <a:rPr lang="en-US" dirty="0" err="1" smtClean="0"/>
+              <a:t>README.md</a:t>
+            </a:r>
+            <a:r>
+              <a:rPr lang="en-US" dirty="0" smtClean="0"/>
+              <a:t>”</a:t>
+            </a:r>
+          </a:p>
+          <a:p>
+            <a:r>
+              <a:rPr lang="en-US" dirty="0" smtClean="0"/>
+              <a:t>- </a:t>
+            </a:r>
+            <a:r>
+              <a:rPr lang="en-US" dirty="0"/>
+              <a:t>Write another line of message (For example : "I cloned my project</a:t>
+            </a:r>
+            <a:r>
+              <a:rPr lang="en-US" dirty="0" smtClean="0"/>
+              <a:t>.")</a:t>
+            </a:r>
+          </a:p>
+          <a:p>
+            <a:r>
+              <a:rPr lang="en-US" dirty="0" smtClean="0"/>
+              <a:t>- </a:t>
+            </a:r>
+            <a:r>
+              <a:rPr lang="en-US" dirty="0"/>
+              <a:t>Save it (</a:t>
+            </a:r>
+            <a:r>
               <a:rPr lang="en-US" dirty="0" err="1"/>
-              <a:t>Creat</a:t>
-            </a:r>
-            <a:r>
-              <a:rPr lang="en-US" dirty="0"/>
-              <a:t> a new R script</a:t>
-            </a:r>
-          </a:p>
-        </p:txBody>
-      </p:sp>
-      <p:sp>
-        <p:nvSpPr>
-          <p:cNvPr id="3" name="Content Placeholder 2"/>
-          <p:cNvSpPr>
-            <a:spLocks noGrp="1"/>
-          </p:cNvSpPr>
-          <p:nvPr>
-            <p:ph idx="1"/>
-          </p:nvPr>
-        </p:nvSpPr>
-        <p:spPr>
-          <a:xfrm>
-            <a:off x="2589212" y="1175657"/>
-            <a:ext cx="8915400" cy="5682343"/>
-          </a:xfrm>
-        </p:spPr>
-        <p:txBody>
-          <a:bodyPr>
-            <a:normAutofit lnSpcReduction="10000"/>
-          </a:bodyPr>
-          <a:lstStyle/>
-          <a:p>
-            <a:r>
-              <a:rPr lang="en-US" dirty="0"/>
+              <a:t>command+s</a:t>
+            </a:r>
+            <a:r>
+              <a:rPr lang="en-US" dirty="0"/>
+              <a:t> in mac or </a:t>
+            </a:r>
+            <a:r>
+              <a:rPr lang="en-US" dirty="0" err="1"/>
+              <a:t>Ctrl+s</a:t>
+            </a:r>
+            <a:r>
+              <a:rPr lang="en-US" dirty="0"/>
+              <a:t> in windows</a:t>
+            </a:r>
+            <a:r>
+              <a:rPr lang="en-US" dirty="0" smtClean="0"/>
+              <a:t>)</a:t>
+            </a:r>
+          </a:p>
+          <a:p>
+            <a:r>
+              <a:rPr lang="en-US" dirty="0" smtClean="0"/>
               <a:t>- </a:t>
             </a:r>
             <a:r>
+              <a:rPr lang="en-US" dirty="0"/>
+              <a:t>Click on the small GIT icon and choose "</a:t>
+            </a:r>
+            <a:r>
+              <a:rPr lang="en-US" dirty="0" smtClean="0"/>
+              <a:t>Commit”</a:t>
+            </a:r>
+          </a:p>
+          <a:p>
+            <a:r>
+              <a:rPr lang="en-US" dirty="0" smtClean="0"/>
+              <a:t>- </a:t>
+            </a:r>
+            <a:r>
+              <a:rPr lang="en-US" dirty="0"/>
+              <a:t>Check the icon "README" on left</a:t>
+            </a:r>
+            <a:r>
+              <a:rPr lang="en-US" dirty="0" smtClean="0"/>
+              <a:t>.</a:t>
+            </a:r>
+          </a:p>
+          <a:p>
+            <a:r>
+              <a:rPr lang="en-US" dirty="0" smtClean="0"/>
+              <a:t>- </a:t>
+            </a:r>
+            <a:r>
+              <a:rPr lang="en-US" dirty="0"/>
+              <a:t>Write a short message of what you have done so far. Click on "commit". Close the window</a:t>
+            </a:r>
+            <a:r>
+              <a:rPr lang="en-US" dirty="0" smtClean="0"/>
+              <a:t>.</a:t>
+            </a:r>
+          </a:p>
+          <a:p>
+            <a:r>
+              <a:rPr lang="en-US" dirty="0" smtClean="0"/>
+              <a:t>- </a:t>
+            </a:r>
+            <a:r>
+              <a:rPr lang="en-US" dirty="0"/>
+              <a:t>Again click on the small GIT icon and choose "Push Branch". Then close the window that appears</a:t>
+            </a:r>
+            <a:r>
+              <a:rPr lang="en-US" dirty="0" smtClean="0"/>
+              <a:t>.</a:t>
+            </a:r>
+          </a:p>
+          <a:p>
+            <a:r>
+              <a:rPr lang="en-US" dirty="0" smtClean="0"/>
+              <a:t>- </a:t>
+            </a:r>
+            <a:r>
+              <a:rPr lang="en-US" dirty="0"/>
+              <a:t>Go to the </a:t>
+            </a:r>
+            <a:r>
               <a:rPr lang="en-US" dirty="0" err="1"/>
-              <a:t>Creat</a:t>
-            </a:r>
-            <a:r>
-              <a:rPr lang="en-US" dirty="0"/>
-              <a:t> a new R script and save it </a:t>
-            </a:r>
-            <a:r>
-              <a:rPr lang="en-US" dirty="0" smtClean="0"/>
-              <a:t>as "</a:t>
-            </a:r>
-            <a:r>
-              <a:rPr lang="en-US" dirty="0" err="1" smtClean="0"/>
-              <a:t>my_codes</a:t>
-            </a:r>
-            <a:r>
-              <a:rPr lang="en-US" dirty="0"/>
-              <a:t>" in the "</a:t>
+              <a:t>github</a:t>
+            </a:r>
+            <a:r>
+              <a:rPr lang="en-US" dirty="0"/>
+              <a:t> website &lt;https://</a:t>
+            </a:r>
+            <a:r>
+              <a:rPr lang="en-US" dirty="0" err="1"/>
+              <a:t>github.com</a:t>
+            </a:r>
+            <a:r>
+              <a:rPr lang="en-US" dirty="0"/>
+              <a:t>&gt;, sign in and choose "</a:t>
             </a:r>
             <a:r>
               <a:rPr lang="en-US" dirty="0" err="1"/>
@@ -8906,7 +8808,7 @@
             </a:r>
             <a:r>
               <a:rPr lang="en-US" dirty="0"/>
-              <a:t>" folder</a:t>
+              <a:t>" repository from bottom right</a:t>
             </a:r>
             <a:r>
               <a:rPr lang="en-US" dirty="0" smtClean="0"/>
@@ -8920,186 +8822,29 @@
             </a:r>
             <a:r>
               <a:rPr lang="en-US" dirty="0"/>
-              <a:t>Try </a:t>
+              <a:t>Your first commit is there</a:t>
+            </a:r>
+            <a:r>
+              <a:rPr lang="en-US" dirty="0" smtClean="0"/>
+              <a:t>!</a:t>
+            </a:r>
+          </a:p>
+          <a:p>
+            <a:r>
+              <a:rPr lang="en-US" dirty="0" smtClean="0"/>
+              <a:t>- </a:t>
+            </a:r>
+            <a:r>
+              <a:rPr lang="en-US" dirty="0"/>
+              <a:t>Click on </a:t>
             </a:r>
             <a:r>
               <a:rPr lang="en-US" dirty="0" err="1"/>
-              <a:t>writting</a:t>
-            </a:r>
-            <a:r>
-              <a:rPr lang="en-US" dirty="0"/>
-              <a:t> some simple codes. </a:t>
-            </a:r>
-            <a:endParaRPr lang="en-US" dirty="0" smtClean="0"/>
-          </a:p>
-          <a:p>
-            <a:r>
-              <a:rPr lang="en-US" dirty="0" smtClean="0"/>
-              <a:t>- </a:t>
-            </a:r>
-            <a:r>
-              <a:rPr lang="en-US" dirty="0"/>
-              <a:t>Click on the small GIT icon and choose "</a:t>
-            </a:r>
-            <a:r>
-              <a:rPr lang="en-US" dirty="0" smtClean="0"/>
-              <a:t>Commit”</a:t>
-            </a:r>
-          </a:p>
-          <a:p>
-            <a:r>
-              <a:rPr lang="en-US" dirty="0" smtClean="0"/>
-              <a:t>- </a:t>
-            </a:r>
-            <a:r>
-              <a:rPr lang="en-US" dirty="0"/>
-              <a:t>Check the icon "</a:t>
-            </a:r>
-            <a:r>
-              <a:rPr lang="en-US" dirty="0" err="1"/>
-              <a:t>my_codes</a:t>
-            </a:r>
-            <a:r>
-              <a:rPr lang="en-US" dirty="0"/>
-              <a:t>" on left</a:t>
-            </a:r>
-            <a:r>
-              <a:rPr lang="en-US" dirty="0" smtClean="0"/>
-              <a:t>.</a:t>
-            </a:r>
-          </a:p>
-          <a:p>
-            <a:r>
-              <a:rPr lang="en-US" dirty="0" smtClean="0"/>
-              <a:t>- </a:t>
-            </a:r>
-            <a:r>
-              <a:rPr lang="en-US" dirty="0"/>
-              <a:t>On the right, write some comments</a:t>
-            </a:r>
-            <a:r>
-              <a:rPr lang="en-US" dirty="0" smtClean="0"/>
-              <a:t>.</a:t>
-            </a:r>
-          </a:p>
-          <a:p>
-            <a:r>
-              <a:rPr lang="en-US" dirty="0" smtClean="0"/>
-              <a:t>- </a:t>
-            </a:r>
-            <a:r>
-              <a:rPr lang="en-US" dirty="0"/>
-              <a:t>Click on the </a:t>
-            </a:r>
-            <a:r>
-              <a:rPr lang="en-US" dirty="0" smtClean="0"/>
-              <a:t>commit </a:t>
-            </a:r>
-            <a:r>
-              <a:rPr lang="en-US" dirty="0"/>
-              <a:t>button</a:t>
-            </a:r>
-            <a:r>
-              <a:rPr lang="en-US" dirty="0" smtClean="0"/>
-              <a:t>.</a:t>
-            </a:r>
-          </a:p>
-          <a:p>
-            <a:r>
-              <a:rPr lang="en-US" dirty="0" smtClean="0"/>
-              <a:t>- </a:t>
-            </a:r>
-            <a:r>
-              <a:rPr lang="en-US" dirty="0"/>
-              <a:t>Close the 2 windows related to committing</a:t>
-            </a:r>
-            <a:r>
-              <a:rPr lang="en-US" dirty="0" smtClean="0"/>
-              <a:t>.</a:t>
-            </a:r>
-          </a:p>
-          <a:p>
-            <a:r>
-              <a:rPr lang="en-US" dirty="0" smtClean="0"/>
-              <a:t>- </a:t>
-            </a:r>
-            <a:r>
-              <a:rPr lang="en-US" dirty="0"/>
-              <a:t>Click on the small GIT icon and choose "Push Branch". Then close the window that appears</a:t>
-            </a:r>
-            <a:r>
-              <a:rPr lang="en-US" dirty="0" smtClean="0"/>
-              <a:t>.</a:t>
-            </a:r>
-          </a:p>
-          <a:p>
-            <a:r>
-              <a:rPr lang="en-US" dirty="0" smtClean="0"/>
-              <a:t>- </a:t>
-            </a:r>
-            <a:r>
-              <a:rPr lang="en-US" dirty="0"/>
-              <a:t>Go to the </a:t>
-            </a:r>
-            <a:r>
-              <a:rPr lang="en-US" dirty="0" err="1"/>
-              <a:t>github</a:t>
-            </a:r>
-            <a:r>
-              <a:rPr lang="en-US" dirty="0"/>
-              <a:t> website &lt;https://</a:t>
-            </a:r>
-            <a:r>
-              <a:rPr lang="en-US" dirty="0" err="1"/>
-              <a:t>github.com</a:t>
-            </a:r>
-            <a:r>
-              <a:rPr lang="en-US" dirty="0"/>
-              <a:t>&gt;, and choose "</a:t>
-            </a:r>
-            <a:r>
-              <a:rPr lang="en-US" dirty="0" err="1"/>
-              <a:t>myFirstGitTry</a:t>
-            </a:r>
-            <a:r>
-              <a:rPr lang="en-US" dirty="0"/>
-              <a:t>" repository from bottom right</a:t>
-            </a:r>
-            <a:r>
-              <a:rPr lang="en-US" dirty="0" smtClean="0"/>
-              <a:t>.</a:t>
-            </a:r>
-          </a:p>
-          <a:p>
-            <a:r>
-              <a:rPr lang="en-US" dirty="0" smtClean="0"/>
-              <a:t>- </a:t>
-            </a:r>
-            <a:r>
-              <a:rPr lang="en-US" dirty="0"/>
-              <a:t>Your second commit ("I added plot1 to the project") is there</a:t>
-            </a:r>
-            <a:r>
-              <a:rPr lang="en-US" dirty="0" smtClean="0"/>
-              <a:t>!</a:t>
-            </a:r>
-          </a:p>
-          <a:p>
-            <a:r>
-              <a:rPr lang="en-US" dirty="0" smtClean="0"/>
-              <a:t>- </a:t>
-            </a:r>
-            <a:r>
-              <a:rPr lang="en-US" dirty="0"/>
-              <a:t>Click on "</a:t>
-            </a:r>
-            <a:r>
-              <a:rPr lang="en-US" dirty="0" err="1"/>
-              <a:t>my_codes.R</a:t>
-            </a:r>
-            <a:r>
-              <a:rPr lang="en-US" dirty="0"/>
-              <a:t>". You can see that your changes are successfully pushed to </a:t>
+              <a:t>README.md</a:t>
+            </a:r>
+            <a:r>
+              <a:rPr lang="en-US" dirty="0"/>
+              <a:t>. You can see that your changes are successfully pushed to </a:t>
             </a:r>
             <a:r>
               <a:rPr lang="en-US" dirty="0" err="1"/>
@@ -9107,37 +8852,7 @@
             </a:r>
             <a:r>
               <a:rPr lang="en-US" dirty="0"/>
-              <a:t> server</a:t>
-            </a:r>
-            <a:r>
-              <a:rPr lang="en-US" dirty="0" smtClean="0"/>
-              <a:t>.</a:t>
-            </a:r>
-          </a:p>
-          <a:p>
-            <a:r>
-              <a:rPr lang="en-US" dirty="0" smtClean="0"/>
-              <a:t>- </a:t>
-            </a:r>
-            <a:r>
-              <a:rPr lang="en-US" dirty="0"/>
-              <a:t>Try adding more lines to your code and then practice to </a:t>
-            </a:r>
-            <a:r>
-              <a:rPr lang="en-US" dirty="0" err="1"/>
-              <a:t>committ</a:t>
-            </a:r>
-            <a:r>
-              <a:rPr lang="en-US" dirty="0"/>
-              <a:t> your changes and push them to </a:t>
-            </a:r>
-            <a:r>
-              <a:rPr lang="en-US" dirty="0" err="1"/>
-              <a:t>github</a:t>
-            </a:r>
-            <a:r>
-              <a:rPr lang="en-US" dirty="0"/>
-              <a:t> server. Do this several times.</a:t>
+              <a:t> server.</a:t>
             </a:r>
           </a:p>
         </p:txBody>
@@ -9145,7 +8860,7 @@
     </p:spTree>
     <p:extLst>
       <p:ext uri="{BB962C8B-B14F-4D97-AF65-F5344CB8AC3E}">
-        <p14:creationId xmlns:p14="http://schemas.microsoft.com/office/powerpoint/2010/main" val="1312585048"/>
+        <p14:creationId xmlns:p14="http://schemas.microsoft.com/office/powerpoint/2010/main" val="183688141"/>
       </p:ext>
     </p:extLst>
   </p:cSld>
@@ -9192,22 +8907,23 @@
         <p:spPr>
           <a:xfrm>
             <a:off x="2592925" y="624110"/>
-            <a:ext cx="8911687" cy="885376"/>
+            <a:ext cx="8911687" cy="551547"/>
           </a:xfrm>
         </p:spPr>
         <p:txBody>
-          <a:bodyPr/>
+          <a:bodyPr>
+            <a:normAutofit fontScale="90000"/>
+          </a:bodyPr>
           <a:lstStyle/>
           <a:p>
             <a:r>
-              <a:rPr lang="en-US" dirty="0"/>
-              <a:t>Working in a team and using </a:t>
-            </a:r>
-            <a:r>
               <a:rPr lang="en-US" dirty="0" err="1"/>
-              <a:t>Git</a:t>
-            </a:r>
-            <a:endParaRPr lang="en-US" dirty="0"/>
+              <a:t>Creat</a:t>
+            </a:r>
+            <a:r>
+              <a:rPr lang="en-US" dirty="0"/>
+              <a:t> a new R script</a:t>
+            </a:r>
           </a:p>
         </p:txBody>
       </p:sp>
@@ -9223,17 +8939,180 @@
         </p:nvSpPr>
         <p:spPr>
           <a:xfrm>
-            <a:off x="2589212" y="1654628"/>
-            <a:ext cx="8915400" cy="4354286"/>
+            <a:off x="2589212" y="1175657"/>
+            <a:ext cx="8915400" cy="5682343"/>
           </a:xfrm>
         </p:spPr>
         <p:txBody>
-          <a:bodyPr/>
+          <a:bodyPr>
+            <a:normAutofit lnSpcReduction="10000"/>
+          </a:bodyPr>
           <a:lstStyle/>
           <a:p>
             <a:r>
               <a:rPr lang="en-US" dirty="0"/>
-              <a:t>- Go to </a:t>
+              <a:t>- </a:t>
+            </a:r>
+            <a:r>
+              <a:rPr lang="en-US" dirty="0" err="1"/>
+              <a:t>Creat</a:t>
+            </a:r>
+            <a:r>
+              <a:rPr lang="en-US" dirty="0"/>
+              <a:t> a new R script and save it </a:t>
+            </a:r>
+            <a:r>
+              <a:rPr lang="en-US" dirty="0" smtClean="0"/>
+              <a:t>as "</a:t>
+            </a:r>
+            <a:r>
+              <a:rPr lang="en-US" dirty="0" err="1" smtClean="0"/>
+              <a:t>my_codes</a:t>
+            </a:r>
+            <a:r>
+              <a:rPr lang="en-US" dirty="0"/>
+              <a:t>" in the "</a:t>
+            </a:r>
+            <a:r>
+              <a:rPr lang="en-US" dirty="0" err="1"/>
+              <a:t>myFirstGitTry</a:t>
+            </a:r>
+            <a:r>
+              <a:rPr lang="en-US" dirty="0"/>
+              <a:t>" folder</a:t>
+            </a:r>
+            <a:r>
+              <a:rPr lang="en-US" dirty="0" smtClean="0"/>
+              <a:t>.</a:t>
+            </a:r>
+          </a:p>
+          <a:p>
+            <a:r>
+              <a:rPr lang="en-US" dirty="0" smtClean="0"/>
+              <a:t>- </a:t>
+            </a:r>
+            <a:r>
+              <a:rPr lang="en-US" dirty="0"/>
+              <a:t>Try </a:t>
+            </a:r>
+            <a:r>
+              <a:rPr lang="en-US" dirty="0" err="1"/>
+              <a:t>writting</a:t>
+            </a:r>
+            <a:r>
+              <a:rPr lang="en-US" dirty="0"/>
+              <a:t> some simple codes. </a:t>
+            </a:r>
+            <a:endParaRPr lang="en-US" dirty="0" smtClean="0"/>
+          </a:p>
+          <a:p>
+            <a:r>
+              <a:rPr lang="en-US" dirty="0" smtClean="0"/>
+              <a:t>- </a:t>
+            </a:r>
+            <a:r>
+              <a:rPr lang="en-US" dirty="0"/>
+              <a:t>Click on the small GIT icon and choose "</a:t>
+            </a:r>
+            <a:r>
+              <a:rPr lang="en-US" dirty="0" smtClean="0"/>
+              <a:t>Commit”</a:t>
+            </a:r>
+          </a:p>
+          <a:p>
+            <a:r>
+              <a:rPr lang="en-US" dirty="0" smtClean="0"/>
+              <a:t>- </a:t>
+            </a:r>
+            <a:r>
+              <a:rPr lang="en-US" dirty="0"/>
+              <a:t>Check the icon "</a:t>
+            </a:r>
+            <a:r>
+              <a:rPr lang="en-US" dirty="0" err="1"/>
+              <a:t>my_codes</a:t>
+            </a:r>
+            <a:r>
+              <a:rPr lang="en-US" dirty="0"/>
+              <a:t>" on left</a:t>
+            </a:r>
+            <a:r>
+              <a:rPr lang="en-US" dirty="0" smtClean="0"/>
+              <a:t>.</a:t>
+            </a:r>
+          </a:p>
+          <a:p>
+            <a:r>
+              <a:rPr lang="en-US" dirty="0" smtClean="0"/>
+              <a:t>- </a:t>
+            </a:r>
+            <a:r>
+              <a:rPr lang="en-US" dirty="0"/>
+              <a:t>On the right, write some comments</a:t>
+            </a:r>
+            <a:r>
+              <a:rPr lang="en-US" dirty="0" smtClean="0"/>
+              <a:t>.</a:t>
+            </a:r>
+          </a:p>
+          <a:p>
+            <a:r>
+              <a:rPr lang="en-US" dirty="0" smtClean="0"/>
+              <a:t>- </a:t>
+            </a:r>
+            <a:r>
+              <a:rPr lang="en-US" dirty="0"/>
+              <a:t>Click on the </a:t>
+            </a:r>
+            <a:r>
+              <a:rPr lang="en-US" dirty="0" smtClean="0"/>
+              <a:t>commit </a:t>
+            </a:r>
+            <a:r>
+              <a:rPr lang="en-US" dirty="0"/>
+              <a:t>button</a:t>
+            </a:r>
+            <a:r>
+              <a:rPr lang="en-US" dirty="0" smtClean="0"/>
+              <a:t>.</a:t>
+            </a:r>
+          </a:p>
+          <a:p>
+            <a:r>
+              <a:rPr lang="en-US" dirty="0" smtClean="0"/>
+              <a:t>- </a:t>
+            </a:r>
+            <a:r>
+              <a:rPr lang="en-US" dirty="0"/>
+              <a:t>Close the 2 windows related to committing</a:t>
+            </a:r>
+            <a:r>
+              <a:rPr lang="en-US" dirty="0" smtClean="0"/>
+              <a:t>.</a:t>
+            </a:r>
+          </a:p>
+          <a:p>
+            <a:r>
+              <a:rPr lang="en-US" dirty="0" smtClean="0"/>
+              <a:t>- </a:t>
+            </a:r>
+            <a:r>
+              <a:rPr lang="en-US" dirty="0"/>
+              <a:t>Click on the small GIT icon and choose "Push Branch". Then close the window that appears</a:t>
+            </a:r>
+            <a:r>
+              <a:rPr lang="en-US" dirty="0" smtClean="0"/>
+              <a:t>.</a:t>
+            </a:r>
+          </a:p>
+          <a:p>
+            <a:r>
+              <a:rPr lang="en-US" dirty="0" smtClean="0"/>
+              <a:t>- </a:t>
+            </a:r>
+            <a:r>
+              <a:rPr lang="en-US" dirty="0"/>
+              <a:t>Go to the </a:t>
             </a:r>
             <a:r>
               <a:rPr lang="en-US" dirty="0" err="1"/>
@@ -9241,7 +9120,7 @@
             </a:r>
             <a:r>
               <a:rPr lang="en-US" dirty="0"/>
-              <a:t> [website](https://</a:t>
+              <a:t> website &lt;https://</a:t>
             </a:r>
             <a:r>
               <a:rPr lang="en-US" dirty="0" err="1"/>
@@ -9249,15 +9128,19 @@
             </a:r>
             <a:r>
               <a:rPr lang="en-US" dirty="0"/>
-              <a:t>/), log in, and choose your project "</a:t>
-            </a:r>
-            <a:r>
-              <a:rPr lang="en-US" dirty="0" err="1" smtClean="0"/>
+              <a:t>&gt;, and choose "</a:t>
+            </a:r>
+            <a:r>
+              <a:rPr lang="en-US" dirty="0" err="1"/>
               <a:t>myFirstGitTry</a:t>
             </a:r>
             <a:r>
-              <a:rPr lang="en-US" dirty="0" smtClean="0"/>
-              <a:t>”</a:t>
+              <a:rPr lang="en-US" dirty="0"/>
+              <a:t>" repository from bottom right</a:t>
+            </a:r>
+            <a:r>
+              <a:rPr lang="en-US" dirty="0" smtClean="0"/>
+              <a:t>.</a:t>
             </a:r>
           </a:p>
           <a:p>
@@ -9267,11 +9150,11 @@
             </a:r>
             <a:r>
               <a:rPr lang="en-US" dirty="0"/>
-              <a:t>Click on "Setting</a:t>
-            </a:r>
-            <a:r>
-              <a:rPr lang="en-US" dirty="0" smtClean="0"/>
-              <a:t>".</a:t>
+              <a:t>Your second commit ("I added plot1 to the project") is there</a:t>
+            </a:r>
+            <a:r>
+              <a:rPr lang="en-US" dirty="0" smtClean="0"/>
+              <a:t>!</a:t>
             </a:r>
           </a:p>
           <a:p>
@@ -9281,11 +9164,27 @@
             </a:r>
             <a:r>
               <a:rPr lang="en-US" dirty="0"/>
-              <a:t>In the Options column at the left, click on "Collaborators</a:t>
-            </a:r>
-            <a:r>
-              <a:rPr lang="en-US" dirty="0" smtClean="0"/>
-              <a:t>".</a:t>
+              <a:t>Click on "</a:t>
+            </a:r>
+            <a:r>
+              <a:rPr lang="en-US" dirty="0" err="1"/>
+              <a:t>my_codes.R</a:t>
+            </a:r>
+            <a:r>
+              <a:rPr lang="en-US" dirty="0"/>
+              <a:t>". You can see that your changes are successfully pushed to </a:t>
+            </a:r>
+            <a:r>
+              <a:rPr lang="en-US" dirty="0" err="1"/>
+              <a:t>Github</a:t>
+            </a:r>
+            <a:r>
+              <a:rPr lang="en-US" dirty="0"/>
+              <a:t> server</a:t>
+            </a:r>
+            <a:r>
+              <a:rPr lang="en-US" dirty="0" smtClean="0"/>
+              <a:t>.</a:t>
             </a:r>
           </a:p>
           <a:p>
@@ -9295,21 +9194,15 @@
             </a:r>
             <a:r>
               <a:rPr lang="en-US" dirty="0"/>
-              <a:t>It may ask you to confirm your password to continue adding a collaborator</a:t>
-            </a:r>
-            <a:r>
-              <a:rPr lang="en-US" dirty="0" smtClean="0"/>
-              <a:t>.</a:t>
-            </a:r>
-          </a:p>
-          <a:p>
-            <a:r>
-              <a:rPr lang="en-US" dirty="0" smtClean="0"/>
-              <a:t>- </a:t>
-            </a:r>
-            <a:r>
-              <a:rPr lang="en-US" dirty="0"/>
-              <a:t>Write down the </a:t>
+              <a:t>Try adding more lines to your code and then practice to </a:t>
+            </a:r>
+            <a:r>
+              <a:rPr lang="en-US" dirty="0" err="1"/>
+              <a:t>committ</a:t>
+            </a:r>
+            <a:r>
+              <a:rPr lang="en-US" dirty="0"/>
+              <a:t> your changes and push them to </a:t>
             </a:r>
             <a:r>
               <a:rPr lang="en-US" dirty="0" err="1"/>
@@ -9317,35 +9210,7 @@
             </a:r>
             <a:r>
               <a:rPr lang="en-US" dirty="0"/>
-              <a:t> username (usually email address) of your collaborator to add him/her to this project</a:t>
-            </a:r>
-            <a:r>
-              <a:rPr lang="en-US" dirty="0" smtClean="0"/>
-              <a:t>.</a:t>
-            </a:r>
-          </a:p>
-          <a:p>
-            <a:r>
-              <a:rPr lang="en-US" dirty="0" smtClean="0"/>
-              <a:t>- </a:t>
-            </a:r>
-            <a:r>
-              <a:rPr lang="en-US" dirty="0"/>
-              <a:t>Click on "Add collaborator</a:t>
-            </a:r>
-            <a:r>
-              <a:rPr lang="en-US" dirty="0" smtClean="0"/>
-              <a:t>".</a:t>
-            </a:r>
-          </a:p>
-          <a:p>
-            <a:r>
-              <a:rPr lang="en-US" dirty="0" smtClean="0"/>
-              <a:t>- </a:t>
-            </a:r>
-            <a:r>
-              <a:rPr lang="en-US" dirty="0"/>
-              <a:t>An invitation will be emailed to your collaborator. Ask him/her to check his/her inbox and accept the invitation.</a:t>
+              <a:t> server. Do this several times.</a:t>
             </a:r>
           </a:p>
         </p:txBody>
@@ -9353,7 +9218,7 @@
     </p:spTree>
     <p:extLst>
       <p:ext uri="{BB962C8B-B14F-4D97-AF65-F5344CB8AC3E}">
-        <p14:creationId xmlns:p14="http://schemas.microsoft.com/office/powerpoint/2010/main" val="1149813586"/>
+        <p14:creationId xmlns:p14="http://schemas.microsoft.com/office/powerpoint/2010/main" val="1312585048"/>
       </p:ext>
     </p:extLst>
   </p:cSld>
@@ -9400,7 +9265,7 @@
         <p:spPr>
           <a:xfrm>
             <a:off x="2592925" y="624110"/>
-            <a:ext cx="8911687" cy="798290"/>
+            <a:ext cx="8911687" cy="885376"/>
           </a:xfrm>
         </p:spPr>
         <p:txBody>
@@ -9408,9 +9273,14 @@
           <a:lstStyle/>
           <a:p>
             <a:r>
-              <a:rPr lang="en-US"/>
-              <a:t>When conflicts happen</a:t>
-            </a:r>
+              <a:rPr lang="en-US" dirty="0"/>
+              <a:t>Working in a team and using </a:t>
+            </a:r>
+            <a:r>
+              <a:rPr lang="en-US" dirty="0" err="1"/>
+              <a:t>Git</a:t>
+            </a:r>
+            <a:endParaRPr lang="en-US" dirty="0"/>
           </a:p>
         </p:txBody>
       </p:sp>
@@ -9426,101 +9296,137 @@
         </p:nvSpPr>
         <p:spPr>
           <a:xfrm>
-            <a:off x="2589212" y="1422400"/>
-            <a:ext cx="8915400" cy="4488822"/>
+            <a:off x="2589212" y="1654628"/>
+            <a:ext cx="8915400" cy="4354286"/>
           </a:xfrm>
         </p:spPr>
         <p:txBody>
           <a:bodyPr/>
           <a:lstStyle/>
           <a:p>
-            <a:endParaRPr lang="en-US" dirty="0" smtClean="0"/>
-          </a:p>
-          <a:p>
-            <a:endParaRPr lang="en-US" dirty="0"/>
-          </a:p>
-          <a:p>
-            <a:endParaRPr lang="en-US" dirty="0" smtClean="0"/>
-          </a:p>
-          <a:p>
-            <a:r>
-              <a:rPr lang="en-US" dirty="0" smtClean="0"/>
-              <a:t>Your </a:t>
-            </a:r>
-            <a:r>
-              <a:rPr lang="en-US" dirty="0"/>
-              <a:t>collaborator changes part of the </a:t>
-            </a:r>
-            <a:r>
-              <a:rPr lang="en-US" dirty="0" smtClean="0"/>
-              <a:t>project, </a:t>
-            </a:r>
-            <a:r>
-              <a:rPr lang="en-US" dirty="0"/>
-              <a:t>then </a:t>
+            <a:r>
+              <a:rPr lang="en-US" dirty="0"/>
+              <a:t>- Go to </a:t>
             </a:r>
             <a:r>
               <a:rPr lang="en-US" dirty="0" err="1"/>
-              <a:t>commited</a:t>
-            </a:r>
-            <a:r>
-              <a:rPr lang="en-US" dirty="0"/>
-              <a:t> and pushed the changes to </a:t>
+              <a:t>github</a:t>
+            </a:r>
+            <a:r>
+              <a:rPr lang="en-US" dirty="0"/>
+              <a:t> [website](https://</a:t>
             </a:r>
             <a:r>
               <a:rPr lang="en-US" dirty="0" err="1"/>
-              <a:t>Github</a:t>
-            </a:r>
-            <a:r>
-              <a:rPr lang="en-US" dirty="0"/>
-              <a:t>. </a:t>
-            </a:r>
-            <a:endParaRPr lang="en-US" dirty="0" smtClean="0"/>
-          </a:p>
-          <a:p>
-            <a:r>
-              <a:rPr lang="en-US" dirty="0" smtClean="0"/>
-              <a:t>You </a:t>
-            </a:r>
-            <a:r>
-              <a:rPr lang="en-US" dirty="0"/>
-              <a:t>make changes at the same place and when you try to commit and push your changes to </a:t>
+              <a:t>github.com</a:t>
+            </a:r>
+            <a:r>
+              <a:rPr lang="en-US" dirty="0"/>
+              <a:t>/), log in, and choose your project "</a:t>
+            </a:r>
+            <a:r>
+              <a:rPr lang="en-US" dirty="0" err="1" smtClean="0"/>
+              <a:t>myFirstGitTry</a:t>
+            </a:r>
+            <a:r>
+              <a:rPr lang="en-US" dirty="0" smtClean="0"/>
+              <a:t>”</a:t>
+            </a:r>
+          </a:p>
+          <a:p>
+            <a:r>
+              <a:rPr lang="en-US" dirty="0" smtClean="0"/>
+              <a:t>- </a:t>
+            </a:r>
+            <a:r>
+              <a:rPr lang="en-US" dirty="0"/>
+              <a:t>Click on "Setting</a:t>
+            </a:r>
+            <a:r>
+              <a:rPr lang="en-US" dirty="0" smtClean="0"/>
+              <a:t>".</a:t>
+            </a:r>
+          </a:p>
+          <a:p>
+            <a:r>
+              <a:rPr lang="en-US" dirty="0" smtClean="0"/>
+              <a:t>- </a:t>
+            </a:r>
+            <a:r>
+              <a:rPr lang="en-US" dirty="0"/>
+              <a:t>In the Options column at the left, click on "Collaborators</a:t>
+            </a:r>
+            <a:r>
+              <a:rPr lang="en-US" dirty="0" smtClean="0"/>
+              <a:t>".</a:t>
+            </a:r>
+          </a:p>
+          <a:p>
+            <a:r>
+              <a:rPr lang="en-US" dirty="0" smtClean="0"/>
+              <a:t>- </a:t>
+            </a:r>
+            <a:r>
+              <a:rPr lang="en-US" dirty="0"/>
+              <a:t>It may ask you to confirm your password to continue adding a collaborator</a:t>
+            </a:r>
+            <a:r>
+              <a:rPr lang="en-US" dirty="0" smtClean="0"/>
+              <a:t>.</a:t>
+            </a:r>
+          </a:p>
+          <a:p>
+            <a:r>
+              <a:rPr lang="en-US" dirty="0" smtClean="0"/>
+              <a:t>- </a:t>
+            </a:r>
+            <a:r>
+              <a:rPr lang="en-US" dirty="0"/>
+              <a:t>Write down the </a:t>
             </a:r>
             <a:r>
               <a:rPr lang="en-US" dirty="0" err="1"/>
-              <a:t>Github</a:t>
-            </a:r>
-            <a:r>
-              <a:rPr lang="en-US" dirty="0"/>
-              <a:t> you will receive an error. </a:t>
-            </a:r>
-            <a:endParaRPr lang="en-US" dirty="0" smtClean="0"/>
-          </a:p>
-          <a:p>
-            <a:r>
-              <a:rPr lang="en-US" dirty="0"/>
-              <a:t>A</a:t>
-            </a:r>
-            <a:r>
-              <a:rPr lang="en-US" dirty="0" smtClean="0"/>
-              <a:t> </a:t>
-            </a:r>
-            <a:r>
-              <a:rPr lang="en-US" dirty="0"/>
-              <a:t>"conflict" has </a:t>
-            </a:r>
-            <a:r>
-              <a:rPr lang="en-US" dirty="0" smtClean="0"/>
-              <a:t>happened! </a:t>
-            </a:r>
-            <a:endParaRPr lang="en-US" dirty="0"/>
+              <a:t>github</a:t>
+            </a:r>
+            <a:r>
+              <a:rPr lang="en-US" dirty="0"/>
+              <a:t> username (usually email address) of your collaborator to add him/her to this project</a:t>
+            </a:r>
+            <a:r>
+              <a:rPr lang="en-US" dirty="0" smtClean="0"/>
+              <a:t>.</a:t>
+            </a:r>
+          </a:p>
+          <a:p>
+            <a:r>
+              <a:rPr lang="en-US" dirty="0" smtClean="0"/>
+              <a:t>- </a:t>
+            </a:r>
+            <a:r>
+              <a:rPr lang="en-US" dirty="0"/>
+              <a:t>Click on "Add collaborator</a:t>
+            </a:r>
+            <a:r>
+              <a:rPr lang="en-US" dirty="0" smtClean="0"/>
+              <a:t>".</a:t>
+            </a:r>
+          </a:p>
+          <a:p>
+            <a:r>
+              <a:rPr lang="en-US" dirty="0" smtClean="0"/>
+              <a:t>- </a:t>
+            </a:r>
+            <a:r>
+              <a:rPr lang="en-US" dirty="0"/>
+              <a:t>An invitation will be emailed to your collaborator. Ask him/her to check his/her inbox and accept the invitation.</a:t>
+            </a:r>
           </a:p>
         </p:txBody>
       </p:sp>
     </p:spTree>
     <p:extLst>
       <p:ext uri="{BB962C8B-B14F-4D97-AF65-F5344CB8AC3E}">
-        <p14:creationId xmlns:p14="http://schemas.microsoft.com/office/powerpoint/2010/main" val="977513444"/>
+        <p14:creationId xmlns:p14="http://schemas.microsoft.com/office/powerpoint/2010/main" val="1149813586"/>
       </p:ext>
     </p:extLst>
   </p:cSld>
@@ -9567,7 +9473,7 @@
         <p:spPr>
           <a:xfrm>
             <a:off x="2592925" y="624110"/>
-            <a:ext cx="8911687" cy="827319"/>
+            <a:ext cx="8911687" cy="798290"/>
           </a:xfrm>
         </p:spPr>
         <p:txBody>
@@ -9575,8 +9481,8 @@
           <a:lstStyle/>
           <a:p>
             <a:r>
-              <a:rPr lang="en-US" dirty="0"/>
-              <a:t>Solving conflicts</a:t>
+              <a:rPr lang="en-US"/>
+              <a:t>When conflicts happen</a:t>
             </a:r>
           </a:p>
         </p:txBody>
@@ -9593,19 +9499,46 @@
         </p:nvSpPr>
         <p:spPr>
           <a:xfrm>
-            <a:off x="2589212" y="1451429"/>
-            <a:ext cx="8915400" cy="4934857"/>
+            <a:off x="2589212" y="1422400"/>
+            <a:ext cx="8915400" cy="4488822"/>
           </a:xfrm>
         </p:spPr>
         <p:txBody>
-          <a:bodyPr>
-            <a:normAutofit/>
-          </a:bodyPr>
+          <a:bodyPr/>
           <a:lstStyle/>
           <a:p>
-            <a:r>
-              <a:rPr lang="en-US" dirty="0"/>
-              <a:t>- On </a:t>
+            <a:endParaRPr lang="en-US" dirty="0" smtClean="0"/>
+          </a:p>
+          <a:p>
+            <a:endParaRPr lang="en-US" dirty="0"/>
+          </a:p>
+          <a:p>
+            <a:endParaRPr lang="en-US" dirty="0" smtClean="0"/>
+          </a:p>
+          <a:p>
+            <a:r>
+              <a:rPr lang="en-US" dirty="0" smtClean="0"/>
+              <a:t>Your </a:t>
+            </a:r>
+            <a:r>
+              <a:rPr lang="en-US" dirty="0"/>
+              <a:t>collaborator changes part of the </a:t>
+            </a:r>
+            <a:r>
+              <a:rPr lang="en-US" dirty="0" smtClean="0"/>
+              <a:t>project, </a:t>
+            </a:r>
+            <a:r>
+              <a:rPr lang="en-US" dirty="0"/>
+              <a:t>then </a:t>
+            </a:r>
+            <a:r>
+              <a:rPr lang="en-US" dirty="0" err="1"/>
+              <a:t>commited</a:t>
+            </a:r>
+            <a:r>
+              <a:rPr lang="en-US" dirty="0"/>
+              <a:t> and pushed the changes to </a:t>
             </a:r>
             <a:r>
               <a:rPr lang="en-US" dirty="0" err="1"/>
@@ -9613,193 +9546,54 @@
             </a:r>
             <a:r>
               <a:rPr lang="en-US" dirty="0"/>
-              <a:t> website &lt;https://</a:t>
+              <a:t>. </a:t>
+            </a:r>
+            <a:endParaRPr lang="en-US" dirty="0" smtClean="0"/>
+          </a:p>
+          <a:p>
+            <a:r>
+              <a:rPr lang="en-US" dirty="0" smtClean="0"/>
+              <a:t>You </a:t>
+            </a:r>
+            <a:r>
+              <a:rPr lang="en-US" dirty="0"/>
+              <a:t>make changes at the same place and when you try to commit and push your changes to </a:t>
             </a:r>
             <a:r>
               <a:rPr lang="en-US" dirty="0" err="1"/>
-              <a:t>github.com</a:t>
-            </a:r>
-            <a:r>
-              <a:rPr lang="en-US" dirty="0"/>
-              <a:t>&gt;, choose your repository (</a:t>
-            </a:r>
-            <a:r>
-              <a:rPr lang="en-US" dirty="0" err="1"/>
-              <a:t>myFirstGitTry</a:t>
-            </a:r>
-            <a:r>
-              <a:rPr lang="en-US" dirty="0"/>
-              <a:t>), then click on "</a:t>
-            </a:r>
-            <a:r>
-              <a:rPr lang="en-US" dirty="0" err="1"/>
-              <a:t>my_codes.R</a:t>
-            </a:r>
-            <a:r>
-              <a:rPr lang="en-US" dirty="0"/>
-              <a:t>". </a:t>
+              <a:t>Github</a:t>
+            </a:r>
+            <a:r>
+              <a:rPr lang="en-US" dirty="0"/>
+              <a:t> you will receive an error. </a:t>
             </a:r>
             <a:endParaRPr lang="en-US" dirty="0" smtClean="0"/>
           </a:p>
           <a:p>
             <a:r>
-              <a:rPr lang="en-US" dirty="0" smtClean="0"/>
-              <a:t>-Click </a:t>
-            </a:r>
-            <a:r>
-              <a:rPr lang="en-US" dirty="0"/>
-              <a:t>on the icon that looks like a pen to edit your code. </a:t>
-            </a:r>
-            <a:endParaRPr lang="en-US" dirty="0" smtClean="0"/>
-          </a:p>
-          <a:p>
-            <a:r>
-              <a:rPr lang="en-US" dirty="0" smtClean="0"/>
-              <a:t>-Add </a:t>
-            </a:r>
-            <a:r>
-              <a:rPr lang="en-US" dirty="0"/>
-              <a:t>a line of code (like z &lt;- c(3,4,5,6</a:t>
-            </a:r>
-            <a:r>
-              <a:rPr lang="en-US" dirty="0" smtClean="0"/>
-              <a:t>)).</a:t>
-            </a:r>
-          </a:p>
-          <a:p>
-            <a:r>
-              <a:rPr lang="en-US" dirty="0" smtClean="0"/>
-              <a:t>- </a:t>
-            </a:r>
-            <a:r>
-              <a:rPr lang="en-US" dirty="0"/>
-              <a:t>Go to the bottom of the page. Write your comments and then click on "commit changes" button</a:t>
-            </a:r>
-            <a:r>
-              <a:rPr lang="en-US" dirty="0" smtClean="0"/>
-              <a:t>.</a:t>
-            </a:r>
-          </a:p>
-          <a:p>
-            <a:r>
-              <a:rPr lang="en-US" dirty="0" smtClean="0"/>
-              <a:t>- </a:t>
-            </a:r>
-            <a:r>
-              <a:rPr lang="en-US" dirty="0"/>
-              <a:t>In R </a:t>
-            </a:r>
-            <a:r>
-              <a:rPr lang="en-US" dirty="0" smtClean="0"/>
-              <a:t>Studio, </a:t>
-            </a:r>
-            <a:r>
-              <a:rPr lang="en-US" dirty="0"/>
-              <a:t>also edit "</a:t>
-            </a:r>
-            <a:r>
-              <a:rPr lang="en-US" dirty="0" err="1"/>
-              <a:t>my_codes.R</a:t>
-            </a:r>
-            <a:r>
-              <a:rPr lang="en-US" dirty="0"/>
-              <a:t>" and write a line of different code exactly in the same line number that you wrote a message in "</a:t>
-            </a:r>
-            <a:r>
-              <a:rPr lang="en-US" dirty="0" err="1"/>
-              <a:t>my_codes.R</a:t>
-            </a:r>
-            <a:r>
-              <a:rPr lang="en-US" dirty="0"/>
-              <a:t>" on </a:t>
-            </a:r>
-            <a:r>
-              <a:rPr lang="en-US" dirty="0" err="1"/>
-              <a:t>github</a:t>
-            </a:r>
-            <a:r>
-              <a:rPr lang="en-US" dirty="0"/>
-              <a:t> website</a:t>
-            </a:r>
-            <a:r>
-              <a:rPr lang="en-US" dirty="0" smtClean="0"/>
-              <a:t>.</a:t>
-            </a:r>
-          </a:p>
-          <a:p>
-            <a:r>
-              <a:rPr lang="en-US" dirty="0" smtClean="0"/>
-              <a:t>- </a:t>
-            </a:r>
-            <a:r>
-              <a:rPr lang="en-US" dirty="0"/>
-              <a:t>Commit your changes</a:t>
-            </a:r>
-            <a:r>
-              <a:rPr lang="en-US" dirty="0" smtClean="0"/>
-              <a:t>.</a:t>
-            </a:r>
-          </a:p>
-          <a:p>
-            <a:r>
-              <a:rPr lang="en-US" dirty="0" smtClean="0"/>
-              <a:t>- </a:t>
-            </a:r>
-            <a:r>
-              <a:rPr lang="en-US" dirty="0"/>
-              <a:t>Try </a:t>
-            </a:r>
-            <a:r>
-              <a:rPr lang="en-US" dirty="0" smtClean="0"/>
-              <a:t>to push.</a:t>
-            </a:r>
-          </a:p>
-          <a:p>
-            <a:r>
-              <a:rPr lang="en-US" dirty="0" smtClean="0"/>
-              <a:t>-You </a:t>
-            </a:r>
-            <a:r>
-              <a:rPr lang="en-US" dirty="0"/>
-              <a:t>will </a:t>
-            </a:r>
-            <a:r>
-              <a:rPr lang="en-US" dirty="0" smtClean="0"/>
-              <a:t>receive </a:t>
-            </a:r>
-            <a:r>
-              <a:rPr lang="en-US" dirty="0"/>
-              <a:t>an </a:t>
-            </a:r>
-            <a:r>
-              <a:rPr lang="en-US" dirty="0" smtClean="0"/>
-              <a:t>error! </a:t>
-            </a:r>
-          </a:p>
-          <a:p>
-            <a:r>
-              <a:rPr lang="en-US" dirty="0" smtClean="0"/>
-              <a:t>- </a:t>
-            </a:r>
-            <a:r>
-              <a:rPr lang="en-US" dirty="0"/>
-              <a:t>Now try pulling</a:t>
-            </a:r>
-            <a:r>
-              <a:rPr lang="en-US" dirty="0" smtClean="0"/>
-              <a:t>. Again </a:t>
-            </a:r>
-            <a:r>
-              <a:rPr lang="en-US" dirty="0"/>
-              <a:t>an error!</a:t>
-            </a:r>
+              <a:rPr lang="en-US" dirty="0"/>
+              <a:t>A</a:t>
+            </a:r>
+            <a:r>
+              <a:rPr lang="en-US" dirty="0" smtClean="0"/>
+              <a:t> </a:t>
+            </a:r>
+            <a:r>
+              <a:rPr lang="en-US" dirty="0"/>
+              <a:t>"conflict" has </a:t>
+            </a:r>
+            <a:r>
+              <a:rPr lang="en-US" dirty="0" smtClean="0"/>
+              <a:t>happened! </a:t>
+            </a:r>
+            <a:endParaRPr lang="en-US" dirty="0"/>
           </a:p>
         </p:txBody>
       </p:sp>
     </p:spTree>
     <p:extLst>
       <p:ext uri="{BB962C8B-B14F-4D97-AF65-F5344CB8AC3E}">
-        <p14:creationId xmlns:p14="http://schemas.microsoft.com/office/powerpoint/2010/main" val="439260213"/>
+        <p14:creationId xmlns:p14="http://schemas.microsoft.com/office/powerpoint/2010/main" val="977513444"/>
       </p:ext>
     </p:extLst>
   </p:cSld>
@@ -9846,7 +9640,7 @@
         <p:spPr>
           <a:xfrm>
             <a:off x="2592925" y="624110"/>
-            <a:ext cx="8911687" cy="725719"/>
+            <a:ext cx="8911687" cy="827319"/>
           </a:xfrm>
         </p:spPr>
         <p:txBody>
@@ -9854,7 +9648,7 @@
           <a:lstStyle/>
           <a:p>
             <a:r>
-              <a:rPr lang="en-US"/>
+              <a:rPr lang="en-US" dirty="0"/>
               <a:t>Solving conflicts</a:t>
             </a:r>
           </a:p>
@@ -9872,8 +9666,8 @@
         </p:nvSpPr>
         <p:spPr>
           <a:xfrm>
-            <a:off x="2589212" y="1349829"/>
-            <a:ext cx="8915400" cy="5007428"/>
+            <a:off x="2589212" y="1451429"/>
+            <a:ext cx="8915400" cy="4934857"/>
           </a:xfrm>
         </p:spPr>
         <p:txBody>
@@ -9884,113 +9678,201 @@
           <a:p>
             <a:r>
               <a:rPr lang="en-US" dirty="0"/>
-              <a:t>You will see a signs like this in your </a:t>
+              <a:t>- On </a:t>
+            </a:r>
+            <a:r>
+              <a:rPr lang="en-US" dirty="0" err="1"/>
+              <a:t>Github</a:t>
+            </a:r>
+            <a:r>
+              <a:rPr lang="en-US" dirty="0"/>
+              <a:t> website &lt;https://</a:t>
+            </a:r>
+            <a:r>
+              <a:rPr lang="en-US" dirty="0" err="1"/>
+              <a:t>github.com</a:t>
+            </a:r>
+            <a:r>
+              <a:rPr lang="en-US" dirty="0"/>
+              <a:t>&gt;, choose your repository (</a:t>
+            </a:r>
+            <a:r>
+              <a:rPr lang="en-US" dirty="0" err="1"/>
+              <a:t>myFirstGitTry</a:t>
+            </a:r>
+            <a:r>
+              <a:rPr lang="en-US" dirty="0"/>
+              <a:t>), then click on "</a:t>
             </a:r>
             <a:r>
               <a:rPr lang="en-US" dirty="0" err="1"/>
               <a:t>my_codes.R</a:t>
             </a:r>
             <a:r>
-              <a:rPr lang="en-US" dirty="0" smtClean="0"/>
-              <a:t>:</a:t>
-            </a:r>
-          </a:p>
-          <a:p>
-            <a:endParaRPr lang="en-US" dirty="0"/>
-          </a:p>
-          <a:p>
+              <a:rPr lang="en-US" dirty="0"/>
+              <a:t>". </a:t>
+            </a:r>
             <a:endParaRPr lang="en-US" dirty="0" smtClean="0"/>
           </a:p>
           <a:p>
-            <a:endParaRPr lang="en-US" dirty="0"/>
-          </a:p>
-          <a:p>
+            <a:r>
+              <a:rPr lang="en-US" dirty="0" smtClean="0"/>
+              <a:t>-Click </a:t>
+            </a:r>
+            <a:r>
+              <a:rPr lang="en-US" dirty="0"/>
+              <a:t>on the icon that looks like a pen to edit your code. </a:t>
+            </a:r>
             <a:endParaRPr lang="en-US" dirty="0" smtClean="0"/>
           </a:p>
           <a:p>
-            <a:endParaRPr lang="en-US" dirty="0"/>
-          </a:p>
-          <a:p>
-            <a:endParaRPr lang="en-US" dirty="0" smtClean="0"/>
-          </a:p>
-          <a:p>
-            <a:endParaRPr lang="en-US" dirty="0"/>
-          </a:p>
-          <a:p>
-            <a:r>
-              <a:rPr lang="en-US" dirty="0"/>
-              <a:t>lines between these signs are the cause of conflict. </a:t>
-            </a:r>
-            <a:endParaRPr lang="en-US" dirty="0" smtClean="0"/>
-          </a:p>
-          <a:p>
-            <a:r>
-              <a:rPr lang="en-US" dirty="0" smtClean="0"/>
-              <a:t>You </a:t>
-            </a:r>
-            <a:r>
-              <a:rPr lang="en-US" dirty="0"/>
-              <a:t>can decide whether to keep the both lines or to delete one of them. </a:t>
-            </a:r>
-            <a:endParaRPr lang="en-US" dirty="0" smtClean="0"/>
-          </a:p>
-          <a:p>
-            <a:r>
-              <a:rPr lang="en-US" dirty="0"/>
-              <a:t>D</a:t>
-            </a:r>
-            <a:r>
-              <a:rPr lang="en-US" dirty="0" smtClean="0"/>
-              <a:t>elete </a:t>
-            </a:r>
-            <a:r>
-              <a:rPr lang="en-US" dirty="0"/>
-              <a:t>all those signs and commit that you have solved the conflicts and then push it to server.</a:t>
-            </a:r>
-            <a:endParaRPr lang="en-US" dirty="0" smtClean="0"/>
-          </a:p>
-          <a:p>
-            <a:endParaRPr lang="en-US" dirty="0" smtClean="0"/>
-          </a:p>
-          <a:p>
-            <a:endParaRPr lang="en-US" dirty="0"/>
-          </a:p>
-        </p:txBody>
-      </p:sp>
-      <p:pic>
-        <p:nvPicPr>
-          <p:cNvPr id="4" name="Picture 3"/>
-          <p:cNvPicPr>
-            <a:picLocks noChangeAspect="1"/>
-          </p:cNvPicPr>
-          <p:nvPr/>
-        </p:nvPicPr>
-        <p:blipFill>
-          <a:blip r:embed="rId2">
-            <a:extLst>
-              <a:ext uri="{28A0092B-C50C-407E-A947-70E740481C1C}">
-                <a14:useLocalDpi xmlns:a14="http://schemas.microsoft.com/office/drawing/2010/main" val="0"/>
-              </a:ext>
-            </a:extLst>
-          </a:blip>
-          <a:stretch>
-            <a:fillRect/>
-          </a:stretch>
-        </p:blipFill>
-        <p:spPr>
-          <a:xfrm>
-            <a:off x="3314700" y="2075548"/>
-            <a:ext cx="5549900" cy="2336800"/>
-          </a:xfrm>
-          <a:prstGeom prst="rect">
-            <a:avLst/>
-          </a:prstGeom>
-        </p:spPr>
-      </p:pic>
+            <a:r>
+              <a:rPr lang="en-US" dirty="0" smtClean="0"/>
+              <a:t>-Add </a:t>
+            </a:r>
+            <a:r>
+              <a:rPr lang="en-US" dirty="0"/>
+              <a:t>a line of code (like z &lt;- c(3,4,5,6</a:t>
+            </a:r>
+            <a:r>
+              <a:rPr lang="en-US" dirty="0" smtClean="0"/>
+              <a:t>)).</a:t>
+            </a:r>
+          </a:p>
+          <a:p>
+            <a:r>
+              <a:rPr lang="en-US" dirty="0" smtClean="0"/>
+              <a:t>- </a:t>
+            </a:r>
+            <a:r>
+              <a:rPr lang="en-US" dirty="0"/>
+              <a:t>Go to the bottom of the page. Write your comments and then click on "commit changes" button</a:t>
+            </a:r>
+            <a:r>
+              <a:rPr lang="en-US" dirty="0" smtClean="0"/>
+              <a:t>.</a:t>
+            </a:r>
+          </a:p>
+          <a:p>
+            <a:r>
+              <a:rPr lang="en-US" dirty="0" smtClean="0"/>
+              <a:t>- </a:t>
+            </a:r>
+            <a:r>
+              <a:rPr lang="en-US" dirty="0"/>
+              <a:t>In R </a:t>
+            </a:r>
+            <a:r>
+              <a:rPr lang="en-US" dirty="0" smtClean="0"/>
+              <a:t>Studio, </a:t>
+            </a:r>
+            <a:r>
+              <a:rPr lang="en-US" dirty="0"/>
+              <a:t>also edit "</a:t>
+            </a:r>
+            <a:r>
+              <a:rPr lang="en-US" dirty="0" err="1"/>
+              <a:t>my_codes.R</a:t>
+            </a:r>
+            <a:r>
+              <a:rPr lang="en-US" dirty="0"/>
+              <a:t>" and write a line of different code exactly in the same line number that you wrote a message in "</a:t>
+            </a:r>
+            <a:r>
+              <a:rPr lang="en-US" dirty="0" err="1"/>
+              <a:t>my_codes.R</a:t>
+            </a:r>
+            <a:r>
+              <a:rPr lang="en-US" dirty="0"/>
+              <a:t>" on </a:t>
+            </a:r>
+            <a:r>
+              <a:rPr lang="en-US" dirty="0" err="1"/>
+              <a:t>github</a:t>
+            </a:r>
+            <a:r>
+              <a:rPr lang="en-US" dirty="0"/>
+              <a:t> website</a:t>
+            </a:r>
+            <a:r>
+              <a:rPr lang="en-US" dirty="0" smtClean="0"/>
+              <a:t>.</a:t>
+            </a:r>
+          </a:p>
+          <a:p>
+            <a:r>
+              <a:rPr lang="en-US" dirty="0" smtClean="0"/>
+              <a:t>- </a:t>
+            </a:r>
+            <a:r>
+              <a:rPr lang="en-US" dirty="0"/>
+              <a:t>Commit your changes</a:t>
+            </a:r>
+            <a:r>
+              <a:rPr lang="en-US" dirty="0" smtClean="0"/>
+              <a:t>.</a:t>
+            </a:r>
+          </a:p>
+          <a:p>
+            <a:r>
+              <a:rPr lang="en-US" dirty="0" smtClean="0"/>
+              <a:t>- </a:t>
+            </a:r>
+            <a:r>
+              <a:rPr lang="en-US" dirty="0"/>
+              <a:t>Try </a:t>
+            </a:r>
+            <a:r>
+              <a:rPr lang="en-US" dirty="0" smtClean="0"/>
+              <a:t>to push.</a:t>
+            </a:r>
+          </a:p>
+          <a:p>
+            <a:r>
+              <a:rPr lang="en-US" dirty="0" smtClean="0"/>
+              <a:t>-You </a:t>
+            </a:r>
+            <a:r>
+              <a:rPr lang="en-US" dirty="0"/>
+              <a:t>will </a:t>
+            </a:r>
+            <a:r>
+              <a:rPr lang="en-US" dirty="0" smtClean="0"/>
+              <a:t>receive </a:t>
+            </a:r>
+            <a:r>
+              <a:rPr lang="en-US" dirty="0"/>
+              <a:t>an </a:t>
+            </a:r>
+            <a:r>
+              <a:rPr lang="en-US" dirty="0" smtClean="0"/>
+              <a:t>error! </a:t>
+            </a:r>
+          </a:p>
+          <a:p>
+            <a:r>
+              <a:rPr lang="en-US" dirty="0" smtClean="0"/>
+              <a:t>- </a:t>
+            </a:r>
+            <a:r>
+              <a:rPr lang="en-US" dirty="0"/>
+              <a:t>Now try pulling</a:t>
+            </a:r>
+            <a:r>
+              <a:rPr lang="en-US" dirty="0" smtClean="0"/>
+              <a:t>. Again </a:t>
+            </a:r>
+            <a:r>
+              <a:rPr lang="en-US" dirty="0"/>
+              <a:t>an error!</a:t>
+            </a:r>
+          </a:p>
+        </p:txBody>
+      </p:sp>
     </p:spTree>
     <p:extLst>
       <p:ext uri="{BB962C8B-B14F-4D97-AF65-F5344CB8AC3E}">
-        <p14:creationId xmlns:p14="http://schemas.microsoft.com/office/powerpoint/2010/main" val="836201122"/>
+        <p14:creationId xmlns:p14="http://schemas.microsoft.com/office/powerpoint/2010/main" val="439260213"/>
       </p:ext>
     </p:extLst>
   </p:cSld>
@@ -10140,6 +10022,340 @@
             <p:ph type="title"/>
           </p:nvPr>
         </p:nvSpPr>
+        <p:spPr>
+          <a:xfrm>
+            <a:off x="2592925" y="624110"/>
+            <a:ext cx="8911687" cy="725719"/>
+          </a:xfrm>
+        </p:spPr>
+        <p:txBody>
+          <a:bodyPr/>
+          <a:lstStyle/>
+          <a:p>
+            <a:r>
+              <a:rPr lang="en-US"/>
+              <a:t>Solving conflicts</a:t>
+            </a:r>
+          </a:p>
+        </p:txBody>
+      </p:sp>
+      <p:sp>
+        <p:nvSpPr>
+          <p:cNvPr id="3" name="Content Placeholder 2"/>
+          <p:cNvSpPr>
+            <a:spLocks noGrp="1"/>
+          </p:cNvSpPr>
+          <p:nvPr>
+            <p:ph idx="1"/>
+          </p:nvPr>
+        </p:nvSpPr>
+        <p:spPr>
+          <a:xfrm>
+            <a:off x="2589212" y="1349829"/>
+            <a:ext cx="8915400" cy="5007428"/>
+          </a:xfrm>
+        </p:spPr>
+        <p:txBody>
+          <a:bodyPr>
+            <a:normAutofit/>
+          </a:bodyPr>
+          <a:lstStyle/>
+          <a:p>
+            <a:r>
+              <a:rPr lang="en-US" dirty="0"/>
+              <a:t>You will see a signs like this in your </a:t>
+            </a:r>
+            <a:r>
+              <a:rPr lang="en-US" dirty="0" err="1"/>
+              <a:t>my_codes.R</a:t>
+            </a:r>
+            <a:r>
+              <a:rPr lang="en-US" dirty="0" smtClean="0"/>
+              <a:t>:</a:t>
+            </a:r>
+          </a:p>
+          <a:p>
+            <a:endParaRPr lang="en-US" dirty="0"/>
+          </a:p>
+          <a:p>
+            <a:endParaRPr lang="en-US" dirty="0" smtClean="0"/>
+          </a:p>
+          <a:p>
+            <a:endParaRPr lang="en-US" dirty="0"/>
+          </a:p>
+          <a:p>
+            <a:endParaRPr lang="en-US" dirty="0" smtClean="0"/>
+          </a:p>
+          <a:p>
+            <a:endParaRPr lang="en-US" dirty="0"/>
+          </a:p>
+          <a:p>
+            <a:endParaRPr lang="en-US" dirty="0" smtClean="0"/>
+          </a:p>
+          <a:p>
+            <a:endParaRPr lang="en-US" dirty="0"/>
+          </a:p>
+          <a:p>
+            <a:r>
+              <a:rPr lang="en-US" dirty="0"/>
+              <a:t>lines between these signs are the cause of conflict. </a:t>
+            </a:r>
+            <a:endParaRPr lang="en-US" dirty="0" smtClean="0"/>
+          </a:p>
+          <a:p>
+            <a:r>
+              <a:rPr lang="en-US" dirty="0" smtClean="0"/>
+              <a:t>You </a:t>
+            </a:r>
+            <a:r>
+              <a:rPr lang="en-US" dirty="0"/>
+              <a:t>can decide whether to keep the both lines or to delete one of them. </a:t>
+            </a:r>
+            <a:endParaRPr lang="en-US" dirty="0" smtClean="0"/>
+          </a:p>
+          <a:p>
+            <a:r>
+              <a:rPr lang="en-US" dirty="0"/>
+              <a:t>D</a:t>
+            </a:r>
+            <a:r>
+              <a:rPr lang="en-US" dirty="0" smtClean="0"/>
+              <a:t>elete </a:t>
+            </a:r>
+            <a:r>
+              <a:rPr lang="en-US" dirty="0"/>
+              <a:t>all those signs and commit that you have solved the conflicts and then push it to server.</a:t>
+            </a:r>
+            <a:endParaRPr lang="en-US" dirty="0" smtClean="0"/>
+          </a:p>
+          <a:p>
+            <a:endParaRPr lang="en-US" dirty="0" smtClean="0"/>
+          </a:p>
+          <a:p>
+            <a:endParaRPr lang="en-US" dirty="0"/>
+          </a:p>
+        </p:txBody>
+      </p:sp>
+      <p:pic>
+        <p:nvPicPr>
+          <p:cNvPr id="4" name="Picture 3"/>
+          <p:cNvPicPr>
+            <a:picLocks noChangeAspect="1"/>
+          </p:cNvPicPr>
+          <p:nvPr/>
+        </p:nvPicPr>
+        <p:blipFill>
+          <a:blip r:embed="rId2">
+            <a:extLst>
+              <a:ext uri="{28A0092B-C50C-407E-A947-70E740481C1C}">
+                <a14:useLocalDpi xmlns:a14="http://schemas.microsoft.com/office/drawing/2010/main" val="0"/>
+              </a:ext>
+            </a:extLst>
+          </a:blip>
+          <a:stretch>
+            <a:fillRect/>
+          </a:stretch>
+        </p:blipFill>
+        <p:spPr>
+          <a:xfrm>
+            <a:off x="3314700" y="2075548"/>
+            <a:ext cx="5549900" cy="2336800"/>
+          </a:xfrm>
+          <a:prstGeom prst="rect">
+            <a:avLst/>
+          </a:prstGeom>
+        </p:spPr>
+      </p:pic>
+    </p:spTree>
+    <p:extLst>
+      <p:ext uri="{BB962C8B-B14F-4D97-AF65-F5344CB8AC3E}">
+        <p14:creationId xmlns:p14="http://schemas.microsoft.com/office/powerpoint/2010/main" val="836201122"/>
+      </p:ext>
+    </p:extLst>
+  </p:cSld>
+  <p:clrMapOvr>
+    <a:masterClrMapping/>
+  </p:clrMapOvr>
+  <p:timing>
+    <p:tnLst>
+      <p:par>
+        <p:cTn id="1" dur="indefinite" restart="never" nodeType="tmRoot"/>
+      </p:par>
+    </p:tnLst>
+  </p:timing>
+</p:sld>
+</file>
+
+<file path=ppt/slides/slide21.xml><?xml version="1.0" encoding="utf-8"?>
+<p:sld xmlns:a="http://schemas.openxmlformats.org/drawingml/2006/main" xmlns:r="http://schemas.openxmlformats.org/officeDocument/2006/relationships" xmlns:p="http://schemas.openxmlformats.org/presentationml/2006/main">
+  <p:cSld>
+    <p:spTree>
+      <p:nvGrpSpPr>
+        <p:cNvPr id="1" name=""/>
+        <p:cNvGrpSpPr/>
+        <p:nvPr/>
+      </p:nvGrpSpPr>
+      <p:grpSpPr>
+        <a:xfrm>
+          <a:off x="0" y="0"/>
+          <a:ext cx="0" cy="0"/>
+          <a:chOff x="0" y="0"/>
+          <a:chExt cx="0" cy="0"/>
+        </a:xfrm>
+      </p:grpSpPr>
+      <p:sp>
+        <p:nvSpPr>
+          <p:cNvPr id="2" name="Title 1"/>
+          <p:cNvSpPr>
+            <a:spLocks noGrp="1"/>
+          </p:cNvSpPr>
+          <p:nvPr>
+            <p:ph type="title"/>
+          </p:nvPr>
+        </p:nvSpPr>
+        <p:spPr>
+          <a:xfrm>
+            <a:off x="2592925" y="624110"/>
+            <a:ext cx="8911687" cy="787595"/>
+          </a:xfrm>
+        </p:spPr>
+        <p:txBody>
+          <a:bodyPr/>
+          <a:lstStyle/>
+          <a:p>
+            <a:r>
+              <a:rPr lang="en-US" dirty="0" smtClean="0"/>
+              <a:t>Useful references for </a:t>
+            </a:r>
+            <a:r>
+              <a:rPr lang="en-US" smtClean="0"/>
+              <a:t>further readings:</a:t>
+            </a:r>
+            <a:endParaRPr lang="en-US"/>
+          </a:p>
+        </p:txBody>
+      </p:sp>
+      <p:sp>
+        <p:nvSpPr>
+          <p:cNvPr id="3" name="Content Placeholder 2"/>
+          <p:cNvSpPr>
+            <a:spLocks noGrp="1"/>
+          </p:cNvSpPr>
+          <p:nvPr>
+            <p:ph idx="1"/>
+          </p:nvPr>
+        </p:nvSpPr>
+        <p:spPr/>
+        <p:txBody>
+          <a:bodyPr/>
+          <a:lstStyle/>
+          <a:p>
+            <a:r>
+              <a:rPr lang="en-US" dirty="0">
+                <a:hlinkClick r:id="rId2"/>
+              </a:rPr>
+              <a:t>https://guides.github.com</a:t>
+            </a:r>
+            <a:r>
+              <a:rPr lang="en-US" dirty="0" smtClean="0">
+                <a:hlinkClick r:id="rId2"/>
+              </a:rPr>
+              <a:t>/</a:t>
+            </a:r>
+            <a:endParaRPr lang="en-US" dirty="0" smtClean="0"/>
+          </a:p>
+          <a:p>
+            <a:endParaRPr lang="en-US" dirty="0" smtClean="0">
+              <a:hlinkClick r:id="rId3"/>
+            </a:endParaRPr>
+          </a:p>
+          <a:p>
+            <a:r>
+              <a:rPr lang="en-US" dirty="0" smtClean="0">
+                <a:hlinkClick r:id="rId3"/>
+              </a:rPr>
+              <a:t>http</a:t>
+            </a:r>
+            <a:r>
+              <a:rPr lang="en-US" dirty="0">
+                <a:hlinkClick r:id="rId3"/>
+              </a:rPr>
+              <a:t>://</a:t>
+            </a:r>
+            <a:r>
+              <a:rPr lang="en-US" dirty="0" smtClean="0">
+                <a:hlinkClick r:id="rId3"/>
+              </a:rPr>
+              <a:t>blog.udacity.com/2015/06/a-beginners-git-github-tutorial.html</a:t>
+            </a:r>
+            <a:endParaRPr lang="en-US" dirty="0" smtClean="0"/>
+          </a:p>
+          <a:p>
+            <a:endParaRPr lang="en-US" dirty="0"/>
+          </a:p>
+          <a:p>
+            <a:r>
+              <a:rPr lang="en-US" dirty="0">
+                <a:hlinkClick r:id="rId4"/>
+              </a:rPr>
+              <a:t>http://kbroman.org/github_tutorial</a:t>
+            </a:r>
+            <a:r>
+              <a:rPr lang="en-US" smtClean="0">
+                <a:hlinkClick r:id="rId4"/>
+              </a:rPr>
+              <a:t>/</a:t>
+            </a:r>
+            <a:endParaRPr lang="en-US" smtClean="0"/>
+          </a:p>
+          <a:p>
+            <a:endParaRPr lang="en-US" dirty="0" smtClean="0"/>
+          </a:p>
+          <a:p>
+            <a:endParaRPr lang="en-US" dirty="0"/>
+          </a:p>
+        </p:txBody>
+      </p:sp>
+    </p:spTree>
+    <p:extLst>
+      <p:ext uri="{BB962C8B-B14F-4D97-AF65-F5344CB8AC3E}">
+        <p14:creationId xmlns:p14="http://schemas.microsoft.com/office/powerpoint/2010/main" val="899086425"/>
+      </p:ext>
+    </p:extLst>
+  </p:cSld>
+  <p:clrMapOvr>
+    <a:masterClrMapping/>
+  </p:clrMapOvr>
+</p:sld>
+</file>
+
+<file path=ppt/slides/slide22.xml><?xml version="1.0" encoding="utf-8"?>
+<p:sld xmlns:a="http://schemas.openxmlformats.org/drawingml/2006/main" xmlns:r="http://schemas.openxmlformats.org/officeDocument/2006/relationships" xmlns:p="http://schemas.openxmlformats.org/presentationml/2006/main">
+  <p:cSld>
+    <p:spTree>
+      <p:nvGrpSpPr>
+        <p:cNvPr id="1" name=""/>
+        <p:cNvGrpSpPr/>
+        <p:nvPr/>
+      </p:nvGrpSpPr>
+      <p:grpSpPr>
+        <a:xfrm>
+          <a:off x="0" y="0"/>
+          <a:ext cx="0" cy="0"/>
+          <a:chOff x="0" y="0"/>
+          <a:chExt cx="0" cy="0"/>
+        </a:xfrm>
+      </p:grpSpPr>
+      <p:sp>
+        <p:nvSpPr>
+          <p:cNvPr id="2" name="Title 1"/>
+          <p:cNvSpPr>
+            <a:spLocks noGrp="1"/>
+          </p:cNvSpPr>
+          <p:nvPr>
+            <p:ph type="title"/>
+          </p:nvPr>
+        </p:nvSpPr>
         <p:spPr/>
         <p:txBody>
           <a:bodyPr/>
@@ -10190,10 +10406,6 @@
           </a:p>
           <a:p>
             <a:r>
-              <a:rPr lang="en-US" dirty="0" smtClean="0"/>
-              <a:t>- </a:t>
-            </a:r>
-            <a:r>
               <a:rPr lang="en-US" dirty="0" smtClean="0">
                 <a:hlinkClick r:id="rId3"/>
               </a:rPr>
@@ -10214,10 +10426,6 @@
             <a:endParaRPr lang="en-US" dirty="0" smtClean="0"/>
           </a:p>
           <a:p>
-            <a:r>
-              <a:rPr lang="en-US" dirty="0" smtClean="0"/>
-              <a:t>- </a:t>
-            </a:r>
             <a:r>
               <a:rPr lang="en-US" dirty="0" smtClean="0">
                 <a:hlinkClick r:id="rId4"/>
@@ -11210,17 +11418,18 @@
               <a:t>Every time you save your work, </a:t>
             </a:r>
             <a:r>
-              <a:rPr lang="en-US" dirty="0" err="1"/>
+              <a:rPr lang="en-US" dirty="0" smtClean="0"/>
+              <a:t>you can commit your changes to </a:t>
+            </a:r>
+            <a:r>
+              <a:rPr lang="en-US" dirty="0" err="1" smtClean="0"/>
               <a:t>Git</a:t>
             </a:r>
             <a:r>
-              <a:rPr lang="en-US" dirty="0"/>
-              <a:t> creates a </a:t>
-            </a:r>
-            <a:r>
-              <a:rPr lang="en-US" dirty="0" smtClean="0"/>
-              <a:t>commit. </a:t>
-            </a:r>
+              <a:rPr lang="en-US" dirty="0" smtClean="0"/>
+              <a:t>. </a:t>
+            </a:r>
+            <a:endParaRPr lang="en-US" dirty="0" smtClean="0"/>
           </a:p>
           <a:p>
             <a:r>
@@ -11663,11 +11872,25 @@
             </a:r>
             <a:r>
               <a:rPr lang="en-US" dirty="0" smtClean="0"/>
-              <a:t> </a:t>
-            </a:r>
-            <a:r>
-              <a:rPr lang="en-US" dirty="0"/>
-              <a:t>is a commercial website that lets you store your repository publicly for free. </a:t>
+              <a:t> is a remote server </a:t>
+            </a:r>
+          </a:p>
+          <a:p>
+            <a:r>
+              <a:rPr lang="en-US" dirty="0"/>
+              <a:t>Y</a:t>
+            </a:r>
+            <a:r>
+              <a:rPr lang="en-US" dirty="0" smtClean="0"/>
+              <a:t>ou can save your project and all the history of changes that </a:t>
+            </a:r>
+            <a:r>
+              <a:rPr lang="en-US" dirty="0" err="1" smtClean="0"/>
+              <a:t>Git</a:t>
+            </a:r>
+            <a:r>
+              <a:rPr lang="en-US" dirty="0" smtClean="0"/>
+              <a:t> has made for you in your local history.</a:t>
             </a:r>
             <a:endParaRPr lang="en-US" dirty="0" smtClean="0"/>
           </a:p>
